--- a/wiki/pipeline.pptx
+++ b/wiki/pipeline.pptx
@@ -4,8 +4,11 @@
   <p:sldMasterIdLst>
     <p:sldMasterId id="2147483648" r:id="rId1"/>
   </p:sldMasterIdLst>
+  <p:notesMasterIdLst>
+    <p:notesMasterId r:id="rId3"/>
+  </p:notesMasterIdLst>
   <p:sldIdLst>
-    <p:sldId id="256" r:id="rId2"/>
+    <p:sldId id="258" r:id="rId2"/>
   </p:sldIdLst>
   <p:sldSz cx="9144000" cy="6858000" type="screen4x3"/>
   <p:notesSz cx="6858000" cy="9144000"/>
@@ -104,7 +107,372 @@
       </a:defRPr>
     </a:lvl9pPr>
   </p:defaultTextStyle>
+  <p:extLst>
+    <p:ext uri="{EFAFB233-063F-42B5-8137-9DF3F51BA10A}">
+      <p15:sldGuideLst xmlns:p15="http://schemas.microsoft.com/office/powerpoint/2012/main">
+        <p15:guide id="1" orient="horz" pos="2160">
+          <p15:clr>
+            <a:srgbClr val="A4A3A4"/>
+          </p15:clr>
+        </p15:guide>
+        <p15:guide id="2" pos="2880">
+          <p15:clr>
+            <a:srgbClr val="A4A3A4"/>
+          </p15:clr>
+        </p15:guide>
+      </p15:sldGuideLst>
+    </p:ext>
+  </p:extLst>
 </p:presentation>
+</file>
+
+<file path=ppt/notesMasters/notesMaster1.xml><?xml version="1.0" encoding="utf-8"?>
+<p:notesMaster xmlns:a="http://schemas.openxmlformats.org/drawingml/2006/main" xmlns:r="http://schemas.openxmlformats.org/officeDocument/2006/relationships" xmlns:p="http://schemas.openxmlformats.org/presentationml/2006/main">
+  <p:cSld>
+    <p:bg>
+      <p:bgRef idx="1001">
+        <a:schemeClr val="bg1"/>
+      </p:bgRef>
+    </p:bg>
+    <p:spTree>
+      <p:nvGrpSpPr>
+        <p:cNvPr id="1" name=""/>
+        <p:cNvGrpSpPr/>
+        <p:nvPr/>
+      </p:nvGrpSpPr>
+      <p:grpSpPr>
+        <a:xfrm>
+          <a:off x="0" y="0"/>
+          <a:ext cx="0" cy="0"/>
+          <a:chOff x="0" y="0"/>
+          <a:chExt cx="0" cy="0"/>
+        </a:xfrm>
+      </p:grpSpPr>
+      <p:sp>
+        <p:nvSpPr>
+          <p:cNvPr id="2" name="Header Placeholder 1"/>
+          <p:cNvSpPr>
+            <a:spLocks noGrp="1"/>
+          </p:cNvSpPr>
+          <p:nvPr>
+            <p:ph type="hdr" sz="quarter"/>
+          </p:nvPr>
+        </p:nvSpPr>
+        <p:spPr>
+          <a:xfrm>
+            <a:off x="0" y="0"/>
+            <a:ext cx="2971800" cy="458788"/>
+          </a:xfrm>
+          <a:prstGeom prst="rect">
+            <a:avLst/>
+          </a:prstGeom>
+        </p:spPr>
+        <p:txBody>
+          <a:bodyPr vert="horz" lIns="91440" tIns="45720" rIns="91440" bIns="45720" rtlCol="0"/>
+          <a:lstStyle>
+            <a:lvl1pPr algn="l">
+              <a:defRPr sz="1200"/>
+            </a:lvl1pPr>
+          </a:lstStyle>
+          <a:p>
+            <a:endParaRPr lang="en-US"/>
+          </a:p>
+        </p:txBody>
+      </p:sp>
+      <p:sp>
+        <p:nvSpPr>
+          <p:cNvPr id="3" name="Date Placeholder 2"/>
+          <p:cNvSpPr>
+            <a:spLocks noGrp="1"/>
+          </p:cNvSpPr>
+          <p:nvPr>
+            <p:ph type="dt" idx="1"/>
+          </p:nvPr>
+        </p:nvSpPr>
+        <p:spPr>
+          <a:xfrm>
+            <a:off x="3884613" y="0"/>
+            <a:ext cx="2971800" cy="458788"/>
+          </a:xfrm>
+          <a:prstGeom prst="rect">
+            <a:avLst/>
+          </a:prstGeom>
+        </p:spPr>
+        <p:txBody>
+          <a:bodyPr vert="horz" lIns="91440" tIns="45720" rIns="91440" bIns="45720" rtlCol="0"/>
+          <a:lstStyle>
+            <a:lvl1pPr algn="r">
+              <a:defRPr sz="1200"/>
+            </a:lvl1pPr>
+          </a:lstStyle>
+          <a:p>
+            <a:fld id="{BB20E0CD-562F-40C0-92A5-47B237AD6227}" type="datetimeFigureOut">
+              <a:rPr lang="en-US" smtClean="0"/>
+              <a:t>12/29/2016</a:t>
+            </a:fld>
+            <a:endParaRPr lang="en-US"/>
+          </a:p>
+        </p:txBody>
+      </p:sp>
+      <p:sp>
+        <p:nvSpPr>
+          <p:cNvPr id="4" name="Slide Image Placeholder 3"/>
+          <p:cNvSpPr>
+            <a:spLocks noGrp="1" noRot="1" noChangeAspect="1"/>
+          </p:cNvSpPr>
+          <p:nvPr>
+            <p:ph type="sldImg" idx="2"/>
+          </p:nvPr>
+        </p:nvSpPr>
+        <p:spPr>
+          <a:xfrm>
+            <a:off x="1371600" y="1143000"/>
+            <a:ext cx="4114800" cy="3086100"/>
+          </a:xfrm>
+          <a:prstGeom prst="rect">
+            <a:avLst/>
+          </a:prstGeom>
+          <a:noFill/>
+          <a:ln w="12700">
+            <a:solidFill>
+              <a:prstClr val="black"/>
+            </a:solidFill>
+          </a:ln>
+        </p:spPr>
+        <p:txBody>
+          <a:bodyPr vert="horz" lIns="91440" tIns="45720" rIns="91440" bIns="45720" rtlCol="0" anchor="ctr"/>
+          <a:lstStyle/>
+          <a:p>
+            <a:endParaRPr lang="en-US"/>
+          </a:p>
+        </p:txBody>
+      </p:sp>
+      <p:sp>
+        <p:nvSpPr>
+          <p:cNvPr id="5" name="Notes Placeholder 4"/>
+          <p:cNvSpPr>
+            <a:spLocks noGrp="1"/>
+          </p:cNvSpPr>
+          <p:nvPr>
+            <p:ph type="body" sz="quarter" idx="3"/>
+          </p:nvPr>
+        </p:nvSpPr>
+        <p:spPr>
+          <a:xfrm>
+            <a:off x="685800" y="4400550"/>
+            <a:ext cx="5486400" cy="3600450"/>
+          </a:xfrm>
+          <a:prstGeom prst="rect">
+            <a:avLst/>
+          </a:prstGeom>
+        </p:spPr>
+        <p:txBody>
+          <a:bodyPr vert="horz" lIns="91440" tIns="45720" rIns="91440" bIns="45720" rtlCol="0"/>
+          <a:lstStyle/>
+          <a:p>
+            <a:pPr lvl="0"/>
+            <a:r>
+              <a:rPr lang="en-US"/>
+              <a:t>Edit Master text styles</a:t>
+            </a:r>
+          </a:p>
+          <a:p>
+            <a:pPr lvl="1"/>
+            <a:r>
+              <a:rPr lang="en-US"/>
+              <a:t>Second level</a:t>
+            </a:r>
+          </a:p>
+          <a:p>
+            <a:pPr lvl="2"/>
+            <a:r>
+              <a:rPr lang="en-US"/>
+              <a:t>Third level</a:t>
+            </a:r>
+          </a:p>
+          <a:p>
+            <a:pPr lvl="3"/>
+            <a:r>
+              <a:rPr lang="en-US"/>
+              <a:t>Fourth level</a:t>
+            </a:r>
+          </a:p>
+          <a:p>
+            <a:pPr lvl="4"/>
+            <a:r>
+              <a:rPr lang="en-US"/>
+              <a:t>Fifth level</a:t>
+            </a:r>
+          </a:p>
+        </p:txBody>
+      </p:sp>
+      <p:sp>
+        <p:nvSpPr>
+          <p:cNvPr id="6" name="Footer Placeholder 5"/>
+          <p:cNvSpPr>
+            <a:spLocks noGrp="1"/>
+          </p:cNvSpPr>
+          <p:nvPr>
+            <p:ph type="ftr" sz="quarter" idx="4"/>
+          </p:nvPr>
+        </p:nvSpPr>
+        <p:spPr>
+          <a:xfrm>
+            <a:off x="0" y="8685213"/>
+            <a:ext cx="2971800" cy="458787"/>
+          </a:xfrm>
+          <a:prstGeom prst="rect">
+            <a:avLst/>
+          </a:prstGeom>
+        </p:spPr>
+        <p:txBody>
+          <a:bodyPr vert="horz" lIns="91440" tIns="45720" rIns="91440" bIns="45720" rtlCol="0" anchor="b"/>
+          <a:lstStyle>
+            <a:lvl1pPr algn="l">
+              <a:defRPr sz="1200"/>
+            </a:lvl1pPr>
+          </a:lstStyle>
+          <a:p>
+            <a:endParaRPr lang="en-US"/>
+          </a:p>
+        </p:txBody>
+      </p:sp>
+      <p:sp>
+        <p:nvSpPr>
+          <p:cNvPr id="7" name="Slide Number Placeholder 6"/>
+          <p:cNvSpPr>
+            <a:spLocks noGrp="1"/>
+          </p:cNvSpPr>
+          <p:nvPr>
+            <p:ph type="sldNum" sz="quarter" idx="5"/>
+          </p:nvPr>
+        </p:nvSpPr>
+        <p:spPr>
+          <a:xfrm>
+            <a:off x="3884613" y="8685213"/>
+            <a:ext cx="2971800" cy="458787"/>
+          </a:xfrm>
+          <a:prstGeom prst="rect">
+            <a:avLst/>
+          </a:prstGeom>
+        </p:spPr>
+        <p:txBody>
+          <a:bodyPr vert="horz" lIns="91440" tIns="45720" rIns="91440" bIns="45720" rtlCol="0" anchor="b"/>
+          <a:lstStyle>
+            <a:lvl1pPr algn="r">
+              <a:defRPr sz="1200"/>
+            </a:lvl1pPr>
+          </a:lstStyle>
+          <a:p>
+            <a:fld id="{D42BE425-8BC9-48F1-AE35-34497BC7BAE9}" type="slidenum">
+              <a:rPr lang="en-US" smtClean="0"/>
+              <a:t>‹#›</a:t>
+            </a:fld>
+            <a:endParaRPr lang="en-US"/>
+          </a:p>
+        </p:txBody>
+      </p:sp>
+    </p:spTree>
+    <p:extLst>
+      <p:ext uri="{BB962C8B-B14F-4D97-AF65-F5344CB8AC3E}">
+        <p14:creationId xmlns:p14="http://schemas.microsoft.com/office/powerpoint/2010/main" val="1679053975"/>
+      </p:ext>
+    </p:extLst>
+  </p:cSld>
+  <p:clrMap bg1="lt1" tx1="dk1" bg2="lt2" tx2="dk2" accent1="accent1" accent2="accent2" accent3="accent3" accent4="accent4" accent5="accent5" accent6="accent6" hlink="hlink" folHlink="folHlink"/>
+  <p:notesStyle>
+    <a:lvl1pPr marL="0" algn="l" defTabSz="914400" rtl="0" eaLnBrk="1" latinLnBrk="0" hangingPunct="1">
+      <a:defRPr sz="1200" kern="1200">
+        <a:solidFill>
+          <a:schemeClr val="tx1"/>
+        </a:solidFill>
+        <a:latin typeface="+mn-lt"/>
+        <a:ea typeface="+mn-ea"/>
+        <a:cs typeface="+mn-cs"/>
+      </a:defRPr>
+    </a:lvl1pPr>
+    <a:lvl2pPr marL="457200" algn="l" defTabSz="914400" rtl="0" eaLnBrk="1" latinLnBrk="0" hangingPunct="1">
+      <a:defRPr sz="1200" kern="1200">
+        <a:solidFill>
+          <a:schemeClr val="tx1"/>
+        </a:solidFill>
+        <a:latin typeface="+mn-lt"/>
+        <a:ea typeface="+mn-ea"/>
+        <a:cs typeface="+mn-cs"/>
+      </a:defRPr>
+    </a:lvl2pPr>
+    <a:lvl3pPr marL="914400" algn="l" defTabSz="914400" rtl="0" eaLnBrk="1" latinLnBrk="0" hangingPunct="1">
+      <a:defRPr sz="1200" kern="1200">
+        <a:solidFill>
+          <a:schemeClr val="tx1"/>
+        </a:solidFill>
+        <a:latin typeface="+mn-lt"/>
+        <a:ea typeface="+mn-ea"/>
+        <a:cs typeface="+mn-cs"/>
+      </a:defRPr>
+    </a:lvl3pPr>
+    <a:lvl4pPr marL="1371600" algn="l" defTabSz="914400" rtl="0" eaLnBrk="1" latinLnBrk="0" hangingPunct="1">
+      <a:defRPr sz="1200" kern="1200">
+        <a:solidFill>
+          <a:schemeClr val="tx1"/>
+        </a:solidFill>
+        <a:latin typeface="+mn-lt"/>
+        <a:ea typeface="+mn-ea"/>
+        <a:cs typeface="+mn-cs"/>
+      </a:defRPr>
+    </a:lvl4pPr>
+    <a:lvl5pPr marL="1828800" algn="l" defTabSz="914400" rtl="0" eaLnBrk="1" latinLnBrk="0" hangingPunct="1">
+      <a:defRPr sz="1200" kern="1200">
+        <a:solidFill>
+          <a:schemeClr val="tx1"/>
+        </a:solidFill>
+        <a:latin typeface="+mn-lt"/>
+        <a:ea typeface="+mn-ea"/>
+        <a:cs typeface="+mn-cs"/>
+      </a:defRPr>
+    </a:lvl5pPr>
+    <a:lvl6pPr marL="2286000" algn="l" defTabSz="914400" rtl="0" eaLnBrk="1" latinLnBrk="0" hangingPunct="1">
+      <a:defRPr sz="1200" kern="1200">
+        <a:solidFill>
+          <a:schemeClr val="tx1"/>
+        </a:solidFill>
+        <a:latin typeface="+mn-lt"/>
+        <a:ea typeface="+mn-ea"/>
+        <a:cs typeface="+mn-cs"/>
+      </a:defRPr>
+    </a:lvl6pPr>
+    <a:lvl7pPr marL="2743200" algn="l" defTabSz="914400" rtl="0" eaLnBrk="1" latinLnBrk="0" hangingPunct="1">
+      <a:defRPr sz="1200" kern="1200">
+        <a:solidFill>
+          <a:schemeClr val="tx1"/>
+        </a:solidFill>
+        <a:latin typeface="+mn-lt"/>
+        <a:ea typeface="+mn-ea"/>
+        <a:cs typeface="+mn-cs"/>
+      </a:defRPr>
+    </a:lvl7pPr>
+    <a:lvl8pPr marL="3200400" algn="l" defTabSz="914400" rtl="0" eaLnBrk="1" latinLnBrk="0" hangingPunct="1">
+      <a:defRPr sz="1200" kern="1200">
+        <a:solidFill>
+          <a:schemeClr val="tx1"/>
+        </a:solidFill>
+        <a:latin typeface="+mn-lt"/>
+        <a:ea typeface="+mn-ea"/>
+        <a:cs typeface="+mn-cs"/>
+      </a:defRPr>
+    </a:lvl8pPr>
+    <a:lvl9pPr marL="3657600" algn="l" defTabSz="914400" rtl="0" eaLnBrk="1" latinLnBrk="0" hangingPunct="1">
+      <a:defRPr sz="1200" kern="1200">
+        <a:solidFill>
+          <a:schemeClr val="tx1"/>
+        </a:solidFill>
+        <a:latin typeface="+mn-lt"/>
+        <a:ea typeface="+mn-ea"/>
+        <a:cs typeface="+mn-cs"/>
+      </a:defRPr>
+    </a:lvl9pPr>
+  </p:notesStyle>
+</p:notesMaster>
 </file>
 
 <file path=ppt/slideLayouts/slideLayout1.xml><?xml version="1.0" encoding="utf-8"?>
@@ -145,10 +513,9 @@
           <a:lstStyle/>
           <a:p>
             <a:r>
-              <a:rPr lang="en-US" smtClean="0"/>
+              <a:rPr lang="en-US"/>
               <a:t>Click to edit Master title style</a:t>
             </a:r>
-            <a:endParaRPr lang="en-US"/>
           </a:p>
         </p:txBody>
       </p:sp>
@@ -264,10 +631,9 @@
           </a:lstStyle>
           <a:p>
             <a:r>
-              <a:rPr lang="en-US" smtClean="0"/>
+              <a:rPr lang="en-US"/>
               <a:t>Click to edit Master subtitle style</a:t>
             </a:r>
-            <a:endParaRPr lang="en-US"/>
           </a:p>
         </p:txBody>
       </p:sp>
@@ -288,7 +654,7 @@
           <a:p>
             <a:fld id="{57E0E09F-DD68-40FE-B2D5-FBE0CDDBD696}" type="datetimeFigureOut">
               <a:rPr lang="en-US" smtClean="0"/>
-              <a:t>10/24/2016</a:t>
+              <a:t>12/29/2016</a:t>
             </a:fld>
             <a:endParaRPr lang="en-US"/>
           </a:p>
@@ -382,10 +748,9 @@
           <a:lstStyle/>
           <a:p>
             <a:r>
-              <a:rPr lang="en-US" smtClean="0"/>
+              <a:rPr lang="en-US"/>
               <a:t>Click to edit Master title style</a:t>
             </a:r>
-            <a:endParaRPr lang="en-US"/>
           </a:p>
         </p:txBody>
       </p:sp>
@@ -406,38 +771,37 @@
           <a:p>
             <a:pPr lvl="0"/>
             <a:r>
-              <a:rPr lang="en-US" smtClean="0"/>
+              <a:rPr lang="en-US"/>
               <a:t>Click to edit Master text styles</a:t>
             </a:r>
           </a:p>
           <a:p>
             <a:pPr lvl="1"/>
             <a:r>
-              <a:rPr lang="en-US" smtClean="0"/>
+              <a:rPr lang="en-US"/>
               <a:t>Second level</a:t>
             </a:r>
           </a:p>
           <a:p>
             <a:pPr lvl="2"/>
             <a:r>
-              <a:rPr lang="en-US" smtClean="0"/>
+              <a:rPr lang="en-US"/>
               <a:t>Third level</a:t>
             </a:r>
           </a:p>
           <a:p>
             <a:pPr lvl="3"/>
             <a:r>
-              <a:rPr lang="en-US" smtClean="0"/>
+              <a:rPr lang="en-US"/>
               <a:t>Fourth level</a:t>
             </a:r>
           </a:p>
           <a:p>
             <a:pPr lvl="4"/>
             <a:r>
-              <a:rPr lang="en-US" smtClean="0"/>
+              <a:rPr lang="en-US"/>
               <a:t>Fifth level</a:t>
             </a:r>
-            <a:endParaRPr lang="en-US"/>
           </a:p>
         </p:txBody>
       </p:sp>
@@ -458,7 +822,7 @@
           <a:p>
             <a:fld id="{57E0E09F-DD68-40FE-B2D5-FBE0CDDBD696}" type="datetimeFigureOut">
               <a:rPr lang="en-US" smtClean="0"/>
-              <a:t>10/24/2016</a:t>
+              <a:t>12/29/2016</a:t>
             </a:fld>
             <a:endParaRPr lang="en-US"/>
           </a:p>
@@ -557,10 +921,9 @@
           <a:lstStyle/>
           <a:p>
             <a:r>
-              <a:rPr lang="en-US" smtClean="0"/>
+              <a:rPr lang="en-US"/>
               <a:t>Click to edit Master title style</a:t>
             </a:r>
-            <a:endParaRPr lang="en-US"/>
           </a:p>
         </p:txBody>
       </p:sp>
@@ -586,38 +949,37 @@
           <a:p>
             <a:pPr lvl="0"/>
             <a:r>
-              <a:rPr lang="en-US" smtClean="0"/>
+              <a:rPr lang="en-US"/>
               <a:t>Click to edit Master text styles</a:t>
             </a:r>
           </a:p>
           <a:p>
             <a:pPr lvl="1"/>
             <a:r>
-              <a:rPr lang="en-US" smtClean="0"/>
+              <a:rPr lang="en-US"/>
               <a:t>Second level</a:t>
             </a:r>
           </a:p>
           <a:p>
             <a:pPr lvl="2"/>
             <a:r>
-              <a:rPr lang="en-US" smtClean="0"/>
+              <a:rPr lang="en-US"/>
               <a:t>Third level</a:t>
             </a:r>
           </a:p>
           <a:p>
             <a:pPr lvl="3"/>
             <a:r>
-              <a:rPr lang="en-US" smtClean="0"/>
+              <a:rPr lang="en-US"/>
               <a:t>Fourth level</a:t>
             </a:r>
           </a:p>
           <a:p>
             <a:pPr lvl="4"/>
             <a:r>
-              <a:rPr lang="en-US" smtClean="0"/>
+              <a:rPr lang="en-US"/>
               <a:t>Fifth level</a:t>
             </a:r>
-            <a:endParaRPr lang="en-US"/>
           </a:p>
         </p:txBody>
       </p:sp>
@@ -638,7 +1000,7 @@
           <a:p>
             <a:fld id="{57E0E09F-DD68-40FE-B2D5-FBE0CDDBD696}" type="datetimeFigureOut">
               <a:rPr lang="en-US" smtClean="0"/>
-              <a:t>10/24/2016</a:t>
+              <a:t>12/29/2016</a:t>
             </a:fld>
             <a:endParaRPr lang="en-US"/>
           </a:p>
@@ -732,10 +1094,9 @@
           <a:lstStyle/>
           <a:p>
             <a:r>
-              <a:rPr lang="en-US" smtClean="0"/>
+              <a:rPr lang="en-US"/>
               <a:t>Click to edit Master title style</a:t>
             </a:r>
-            <a:endParaRPr lang="en-US"/>
           </a:p>
         </p:txBody>
       </p:sp>
@@ -756,38 +1117,37 @@
           <a:p>
             <a:pPr lvl="0"/>
             <a:r>
-              <a:rPr lang="en-US" smtClean="0"/>
+              <a:rPr lang="en-US"/>
               <a:t>Click to edit Master text styles</a:t>
             </a:r>
           </a:p>
           <a:p>
             <a:pPr lvl="1"/>
             <a:r>
-              <a:rPr lang="en-US" smtClean="0"/>
+              <a:rPr lang="en-US"/>
               <a:t>Second level</a:t>
             </a:r>
           </a:p>
           <a:p>
             <a:pPr lvl="2"/>
             <a:r>
-              <a:rPr lang="en-US" smtClean="0"/>
+              <a:rPr lang="en-US"/>
               <a:t>Third level</a:t>
             </a:r>
           </a:p>
           <a:p>
             <a:pPr lvl="3"/>
             <a:r>
-              <a:rPr lang="en-US" smtClean="0"/>
+              <a:rPr lang="en-US"/>
               <a:t>Fourth level</a:t>
             </a:r>
           </a:p>
           <a:p>
             <a:pPr lvl="4"/>
             <a:r>
-              <a:rPr lang="en-US" smtClean="0"/>
+              <a:rPr lang="en-US"/>
               <a:t>Fifth level</a:t>
             </a:r>
-            <a:endParaRPr lang="en-US"/>
           </a:p>
         </p:txBody>
       </p:sp>
@@ -808,7 +1168,7 @@
           <a:p>
             <a:fld id="{57E0E09F-DD68-40FE-B2D5-FBE0CDDBD696}" type="datetimeFigureOut">
               <a:rPr lang="en-US" smtClean="0"/>
-              <a:t>10/24/2016</a:t>
+              <a:t>12/29/2016</a:t>
             </a:fld>
             <a:endParaRPr lang="en-US"/>
           </a:p>
@@ -911,10 +1271,9 @@
           </a:lstStyle>
           <a:p>
             <a:r>
-              <a:rPr lang="en-US" smtClean="0"/>
+              <a:rPr lang="en-US"/>
               <a:t>Click to edit Master title style</a:t>
             </a:r>
-            <a:endParaRPr lang="en-US"/>
           </a:p>
         </p:txBody>
       </p:sp>
@@ -1031,7 +1390,7 @@
           <a:p>
             <a:pPr lvl="0"/>
             <a:r>
-              <a:rPr lang="en-US" smtClean="0"/>
+              <a:rPr lang="en-US"/>
               <a:t>Click to edit Master text styles</a:t>
             </a:r>
           </a:p>
@@ -1054,7 +1413,7 @@
           <a:p>
             <a:fld id="{57E0E09F-DD68-40FE-B2D5-FBE0CDDBD696}" type="datetimeFigureOut">
               <a:rPr lang="en-US" smtClean="0"/>
-              <a:t>10/24/2016</a:t>
+              <a:t>12/29/2016</a:t>
             </a:fld>
             <a:endParaRPr lang="en-US"/>
           </a:p>
@@ -1148,10 +1507,9 @@
           <a:lstStyle/>
           <a:p>
             <a:r>
-              <a:rPr lang="en-US" smtClean="0"/>
+              <a:rPr lang="en-US"/>
               <a:t>Click to edit Master title style</a:t>
             </a:r>
-            <a:endParaRPr lang="en-US"/>
           </a:p>
         </p:txBody>
       </p:sp>
@@ -1205,38 +1563,37 @@
           <a:p>
             <a:pPr lvl="0"/>
             <a:r>
-              <a:rPr lang="en-US" smtClean="0"/>
+              <a:rPr lang="en-US"/>
               <a:t>Click to edit Master text styles</a:t>
             </a:r>
           </a:p>
           <a:p>
             <a:pPr lvl="1"/>
             <a:r>
-              <a:rPr lang="en-US" smtClean="0"/>
+              <a:rPr lang="en-US"/>
               <a:t>Second level</a:t>
             </a:r>
           </a:p>
           <a:p>
             <a:pPr lvl="2"/>
             <a:r>
-              <a:rPr lang="en-US" smtClean="0"/>
+              <a:rPr lang="en-US"/>
               <a:t>Third level</a:t>
             </a:r>
           </a:p>
           <a:p>
             <a:pPr lvl="3"/>
             <a:r>
-              <a:rPr lang="en-US" smtClean="0"/>
+              <a:rPr lang="en-US"/>
               <a:t>Fourth level</a:t>
             </a:r>
           </a:p>
           <a:p>
             <a:pPr lvl="4"/>
             <a:r>
-              <a:rPr lang="en-US" smtClean="0"/>
+              <a:rPr lang="en-US"/>
               <a:t>Fifth level</a:t>
             </a:r>
-            <a:endParaRPr lang="en-US"/>
           </a:p>
         </p:txBody>
       </p:sp>
@@ -1290,38 +1647,37 @@
           <a:p>
             <a:pPr lvl="0"/>
             <a:r>
-              <a:rPr lang="en-US" smtClean="0"/>
+              <a:rPr lang="en-US"/>
               <a:t>Click to edit Master text styles</a:t>
             </a:r>
           </a:p>
           <a:p>
             <a:pPr lvl="1"/>
             <a:r>
-              <a:rPr lang="en-US" smtClean="0"/>
+              <a:rPr lang="en-US"/>
               <a:t>Second level</a:t>
             </a:r>
           </a:p>
           <a:p>
             <a:pPr lvl="2"/>
             <a:r>
-              <a:rPr lang="en-US" smtClean="0"/>
+              <a:rPr lang="en-US"/>
               <a:t>Third level</a:t>
             </a:r>
           </a:p>
           <a:p>
             <a:pPr lvl="3"/>
             <a:r>
-              <a:rPr lang="en-US" smtClean="0"/>
+              <a:rPr lang="en-US"/>
               <a:t>Fourth level</a:t>
             </a:r>
           </a:p>
           <a:p>
             <a:pPr lvl="4"/>
             <a:r>
-              <a:rPr lang="en-US" smtClean="0"/>
+              <a:rPr lang="en-US"/>
               <a:t>Fifth level</a:t>
             </a:r>
-            <a:endParaRPr lang="en-US"/>
           </a:p>
         </p:txBody>
       </p:sp>
@@ -1342,7 +1698,7 @@
           <a:p>
             <a:fld id="{57E0E09F-DD68-40FE-B2D5-FBE0CDDBD696}" type="datetimeFigureOut">
               <a:rPr lang="en-US" smtClean="0"/>
-              <a:t>10/24/2016</a:t>
+              <a:t>12/29/2016</a:t>
             </a:fld>
             <a:endParaRPr lang="en-US"/>
           </a:p>
@@ -1440,10 +1796,9 @@
           </a:lstStyle>
           <a:p>
             <a:r>
-              <a:rPr lang="en-US" smtClean="0"/>
+              <a:rPr lang="en-US"/>
               <a:t>Click to edit Master title style</a:t>
             </a:r>
-            <a:endParaRPr lang="en-US"/>
           </a:p>
         </p:txBody>
       </p:sp>
@@ -1506,7 +1861,7 @@
           <a:p>
             <a:pPr lvl="0"/>
             <a:r>
-              <a:rPr lang="en-US" smtClean="0"/>
+              <a:rPr lang="en-US"/>
               <a:t>Click to edit Master text styles</a:t>
             </a:r>
           </a:p>
@@ -1562,38 +1917,37 @@
           <a:p>
             <a:pPr lvl="0"/>
             <a:r>
-              <a:rPr lang="en-US" smtClean="0"/>
+              <a:rPr lang="en-US"/>
               <a:t>Click to edit Master text styles</a:t>
             </a:r>
           </a:p>
           <a:p>
             <a:pPr lvl="1"/>
             <a:r>
-              <a:rPr lang="en-US" smtClean="0"/>
+              <a:rPr lang="en-US"/>
               <a:t>Second level</a:t>
             </a:r>
           </a:p>
           <a:p>
             <a:pPr lvl="2"/>
             <a:r>
-              <a:rPr lang="en-US" smtClean="0"/>
+              <a:rPr lang="en-US"/>
               <a:t>Third level</a:t>
             </a:r>
           </a:p>
           <a:p>
             <a:pPr lvl="3"/>
             <a:r>
-              <a:rPr lang="en-US" smtClean="0"/>
+              <a:rPr lang="en-US"/>
               <a:t>Fourth level</a:t>
             </a:r>
           </a:p>
           <a:p>
             <a:pPr lvl="4"/>
             <a:r>
-              <a:rPr lang="en-US" smtClean="0"/>
+              <a:rPr lang="en-US"/>
               <a:t>Fifth level</a:t>
             </a:r>
-            <a:endParaRPr lang="en-US"/>
           </a:p>
         </p:txBody>
       </p:sp>
@@ -1656,7 +2010,7 @@
           <a:p>
             <a:pPr lvl="0"/>
             <a:r>
-              <a:rPr lang="en-US" smtClean="0"/>
+              <a:rPr lang="en-US"/>
               <a:t>Click to edit Master text styles</a:t>
             </a:r>
           </a:p>
@@ -1712,38 +2066,37 @@
           <a:p>
             <a:pPr lvl="0"/>
             <a:r>
-              <a:rPr lang="en-US" smtClean="0"/>
+              <a:rPr lang="en-US"/>
               <a:t>Click to edit Master text styles</a:t>
             </a:r>
           </a:p>
           <a:p>
             <a:pPr lvl="1"/>
             <a:r>
-              <a:rPr lang="en-US" smtClean="0"/>
+              <a:rPr lang="en-US"/>
               <a:t>Second level</a:t>
             </a:r>
           </a:p>
           <a:p>
             <a:pPr lvl="2"/>
             <a:r>
-              <a:rPr lang="en-US" smtClean="0"/>
+              <a:rPr lang="en-US"/>
               <a:t>Third level</a:t>
             </a:r>
           </a:p>
           <a:p>
             <a:pPr lvl="3"/>
             <a:r>
-              <a:rPr lang="en-US" smtClean="0"/>
+              <a:rPr lang="en-US"/>
               <a:t>Fourth level</a:t>
             </a:r>
           </a:p>
           <a:p>
             <a:pPr lvl="4"/>
             <a:r>
-              <a:rPr lang="en-US" smtClean="0"/>
+              <a:rPr lang="en-US"/>
               <a:t>Fifth level</a:t>
             </a:r>
-            <a:endParaRPr lang="en-US"/>
           </a:p>
         </p:txBody>
       </p:sp>
@@ -1764,7 +2117,7 @@
           <a:p>
             <a:fld id="{57E0E09F-DD68-40FE-B2D5-FBE0CDDBD696}" type="datetimeFigureOut">
               <a:rPr lang="en-US" smtClean="0"/>
-              <a:t>10/24/2016</a:t>
+              <a:t>12/29/2016</a:t>
             </a:fld>
             <a:endParaRPr lang="en-US"/>
           </a:p>
@@ -1858,10 +2211,9 @@
           <a:lstStyle/>
           <a:p>
             <a:r>
-              <a:rPr lang="en-US" smtClean="0"/>
+              <a:rPr lang="en-US"/>
               <a:t>Click to edit Master title style</a:t>
             </a:r>
-            <a:endParaRPr lang="en-US"/>
           </a:p>
         </p:txBody>
       </p:sp>
@@ -1882,7 +2234,7 @@
           <a:p>
             <a:fld id="{57E0E09F-DD68-40FE-B2D5-FBE0CDDBD696}" type="datetimeFigureOut">
               <a:rPr lang="en-US" smtClean="0"/>
-              <a:t>10/24/2016</a:t>
+              <a:t>12/29/2016</a:t>
             </a:fld>
             <a:endParaRPr lang="en-US"/>
           </a:p>
@@ -1977,7 +2329,7 @@
           <a:p>
             <a:fld id="{57E0E09F-DD68-40FE-B2D5-FBE0CDDBD696}" type="datetimeFigureOut">
               <a:rPr lang="en-US" smtClean="0"/>
-              <a:t>10/24/2016</a:t>
+              <a:t>12/29/2016</a:t>
             </a:fld>
             <a:endParaRPr lang="en-US"/>
           </a:p>
@@ -2080,10 +2432,9 @@
           </a:lstStyle>
           <a:p>
             <a:r>
-              <a:rPr lang="en-US" smtClean="0"/>
+              <a:rPr lang="en-US"/>
               <a:t>Click to edit Master title style</a:t>
             </a:r>
-            <a:endParaRPr lang="en-US"/>
           </a:p>
         </p:txBody>
       </p:sp>
@@ -2137,38 +2488,37 @@
           <a:p>
             <a:pPr lvl="0"/>
             <a:r>
-              <a:rPr lang="en-US" smtClean="0"/>
+              <a:rPr lang="en-US"/>
               <a:t>Click to edit Master text styles</a:t>
             </a:r>
           </a:p>
           <a:p>
             <a:pPr lvl="1"/>
             <a:r>
-              <a:rPr lang="en-US" smtClean="0"/>
+              <a:rPr lang="en-US"/>
               <a:t>Second level</a:t>
             </a:r>
           </a:p>
           <a:p>
             <a:pPr lvl="2"/>
             <a:r>
-              <a:rPr lang="en-US" smtClean="0"/>
+              <a:rPr lang="en-US"/>
               <a:t>Third level</a:t>
             </a:r>
           </a:p>
           <a:p>
             <a:pPr lvl="3"/>
             <a:r>
-              <a:rPr lang="en-US" smtClean="0"/>
+              <a:rPr lang="en-US"/>
               <a:t>Fourth level</a:t>
             </a:r>
           </a:p>
           <a:p>
             <a:pPr lvl="4"/>
             <a:r>
-              <a:rPr lang="en-US" smtClean="0"/>
+              <a:rPr lang="en-US"/>
               <a:t>Fifth level</a:t>
             </a:r>
-            <a:endParaRPr lang="en-US"/>
           </a:p>
         </p:txBody>
       </p:sp>
@@ -2231,7 +2581,7 @@
           <a:p>
             <a:pPr lvl="0"/>
             <a:r>
-              <a:rPr lang="en-US" smtClean="0"/>
+              <a:rPr lang="en-US"/>
               <a:t>Click to edit Master text styles</a:t>
             </a:r>
           </a:p>
@@ -2254,7 +2604,7 @@
           <a:p>
             <a:fld id="{57E0E09F-DD68-40FE-B2D5-FBE0CDDBD696}" type="datetimeFigureOut">
               <a:rPr lang="en-US" smtClean="0"/>
-              <a:t>10/24/2016</a:t>
+              <a:t>12/29/2016</a:t>
             </a:fld>
             <a:endParaRPr lang="en-US"/>
           </a:p>
@@ -2357,10 +2707,9 @@
           </a:lstStyle>
           <a:p>
             <a:r>
-              <a:rPr lang="en-US" smtClean="0"/>
+              <a:rPr lang="en-US"/>
               <a:t>Click to edit Master title style</a:t>
             </a:r>
-            <a:endParaRPr lang="en-US"/>
           </a:p>
         </p:txBody>
       </p:sp>
@@ -2484,7 +2833,7 @@
           <a:p>
             <a:pPr lvl="0"/>
             <a:r>
-              <a:rPr lang="en-US" smtClean="0"/>
+              <a:rPr lang="en-US"/>
               <a:t>Click to edit Master text styles</a:t>
             </a:r>
           </a:p>
@@ -2507,7 +2856,7 @@
           <a:p>
             <a:fld id="{57E0E09F-DD68-40FE-B2D5-FBE0CDDBD696}" type="datetimeFigureOut">
               <a:rPr lang="en-US" smtClean="0"/>
-              <a:t>10/24/2016</a:t>
+              <a:t>12/29/2016</a:t>
             </a:fld>
             <a:endParaRPr lang="en-US"/>
           </a:p>
@@ -2616,10 +2965,9 @@
           <a:lstStyle/>
           <a:p>
             <a:r>
-              <a:rPr lang="en-US" smtClean="0"/>
+              <a:rPr lang="en-US"/>
               <a:t>Click to edit Master title style</a:t>
             </a:r>
-            <a:endParaRPr lang="en-US"/>
           </a:p>
         </p:txBody>
       </p:sp>
@@ -2650,38 +2998,37 @@
           <a:p>
             <a:pPr lvl="0"/>
             <a:r>
-              <a:rPr lang="en-US" smtClean="0"/>
+              <a:rPr lang="en-US"/>
               <a:t>Click to edit Master text styles</a:t>
             </a:r>
           </a:p>
           <a:p>
             <a:pPr lvl="1"/>
             <a:r>
-              <a:rPr lang="en-US" smtClean="0"/>
+              <a:rPr lang="en-US"/>
               <a:t>Second level</a:t>
             </a:r>
           </a:p>
           <a:p>
             <a:pPr lvl="2"/>
             <a:r>
-              <a:rPr lang="en-US" smtClean="0"/>
+              <a:rPr lang="en-US"/>
               <a:t>Third level</a:t>
             </a:r>
           </a:p>
           <a:p>
             <a:pPr lvl="3"/>
             <a:r>
-              <a:rPr lang="en-US" smtClean="0"/>
+              <a:rPr lang="en-US"/>
               <a:t>Fourth level</a:t>
             </a:r>
           </a:p>
           <a:p>
             <a:pPr lvl="4"/>
             <a:r>
-              <a:rPr lang="en-US" smtClean="0"/>
+              <a:rPr lang="en-US"/>
               <a:t>Fifth level</a:t>
             </a:r>
-            <a:endParaRPr lang="en-US"/>
           </a:p>
         </p:txBody>
       </p:sp>
@@ -2720,7 +3067,7 @@
           <a:p>
             <a:fld id="{57E0E09F-DD68-40FE-B2D5-FBE0CDDBD696}" type="datetimeFigureOut">
               <a:rPr lang="en-US" smtClean="0"/>
-              <a:t>10/24/2016</a:t>
+              <a:t>12/29/2016</a:t>
             </a:fld>
             <a:endParaRPr lang="en-US"/>
           </a:p>
@@ -3103,12 +3450,13 @@
         </p:nvSpPr>
         <p:spPr>
           <a:xfrm>
-            <a:off x="101040" y="1981201"/>
-            <a:ext cx="503521" cy="1066800"/>
+            <a:off x="1404080" y="1143000"/>
+            <a:ext cx="719701" cy="1066800"/>
           </a:xfrm>
           <a:prstGeom prst="rect">
             <a:avLst/>
           </a:prstGeom>
+          <a:noFill/>
         </p:spPr>
         <p:style>
           <a:lnRef idx="2">
@@ -3132,26 +3480,157 @@
           <a:p>
             <a:pPr algn="ctr"/>
             <a:r>
-              <a:rPr lang="en-US" sz="800" dirty="0" smtClean="0"/>
-              <a:t>Get Data</a:t>
-            </a:r>
-          </a:p>
-        </p:txBody>
-      </p:sp>
-      <p:sp>
-        <p:nvSpPr>
-          <p:cNvPr id="5" name="Rectangle 4"/>
+              <a:rPr lang="en-US" sz="1050" dirty="0">
+                <a:solidFill>
+                  <a:schemeClr val="tx1"/>
+                </a:solidFill>
+              </a:rPr>
+              <a:t>Read Data</a:t>
+            </a:r>
+          </a:p>
+        </p:txBody>
+      </p:sp>
+      <p:sp>
+        <p:nvSpPr>
+          <p:cNvPr id="13" name="TextBox 12"/>
+          <p:cNvSpPr txBox="1"/>
+          <p:nvPr/>
+        </p:nvSpPr>
+        <p:spPr>
+          <a:xfrm>
+            <a:off x="-143870" y="1420119"/>
+            <a:ext cx="1625074" cy="461665"/>
+          </a:xfrm>
+          <a:prstGeom prst="rect">
+            <a:avLst/>
+          </a:prstGeom>
+          <a:noFill/>
+        </p:spPr>
+        <p:txBody>
+          <a:bodyPr wrap="square" rtlCol="0" anchor="ctr">
+            <a:spAutoFit/>
+          </a:bodyPr>
+          <a:lstStyle/>
+          <a:p>
+            <a:pPr algn="ctr"/>
+            <a:r>
+              <a:rPr lang="en-US" sz="1200" b="1" dirty="0"/>
+              <a:t>Spike-triggered Waveform</a:t>
+            </a:r>
+          </a:p>
+        </p:txBody>
+      </p:sp>
+      <p:sp>
+        <p:nvSpPr>
+          <p:cNvPr id="14" name="TextBox 13"/>
+          <p:cNvSpPr txBox="1"/>
+          <p:nvPr/>
+        </p:nvSpPr>
+        <p:spPr>
+          <a:xfrm>
+            <a:off x="-283833" y="2982219"/>
+            <a:ext cx="1905000" cy="461665"/>
+          </a:xfrm>
+          <a:prstGeom prst="rect">
+            <a:avLst/>
+          </a:prstGeom>
+          <a:noFill/>
+        </p:spPr>
+        <p:txBody>
+          <a:bodyPr wrap="square" rtlCol="0" anchor="ctr">
+            <a:spAutoFit/>
+          </a:bodyPr>
+          <a:lstStyle/>
+          <a:p>
+            <a:pPr algn="ctr"/>
+            <a:r>
+              <a:rPr lang="en-US" sz="1200" b="1" dirty="0"/>
+              <a:t>Stimulus-triggered Waveform</a:t>
+            </a:r>
+          </a:p>
+        </p:txBody>
+      </p:sp>
+      <p:sp>
+        <p:nvSpPr>
+          <p:cNvPr id="17" name="TextBox 16"/>
+          <p:cNvSpPr txBox="1"/>
+          <p:nvPr/>
+        </p:nvSpPr>
+        <p:spPr>
+          <a:xfrm>
+            <a:off x="-283833" y="4528931"/>
+            <a:ext cx="1905000" cy="276999"/>
+          </a:xfrm>
+          <a:prstGeom prst="rect">
+            <a:avLst/>
+          </a:prstGeom>
+          <a:noFill/>
+        </p:spPr>
+        <p:txBody>
+          <a:bodyPr wrap="square" rtlCol="0" anchor="ctr">
+            <a:spAutoFit/>
+          </a:bodyPr>
+          <a:lstStyle/>
+          <a:p>
+            <a:pPr algn="ctr"/>
+            <a:r>
+              <a:rPr lang="en-US" sz="1200" b="1" dirty="0"/>
+              <a:t>Raster</a:t>
+            </a:r>
+          </a:p>
+        </p:txBody>
+      </p:sp>
+      <p:cxnSp>
+        <p:nvCxnSpPr>
+          <p:cNvPr id="41" name="Straight Arrow Connector 40"/>
+          <p:cNvCxnSpPr/>
+          <p:nvPr/>
+        </p:nvCxnSpPr>
+        <p:spPr>
+          <a:xfrm>
+            <a:off x="2062512" y="1676400"/>
+            <a:ext cx="190500" cy="0"/>
+          </a:xfrm>
+          <a:prstGeom prst="straightConnector1">
+            <a:avLst/>
+          </a:prstGeom>
+          <a:ln>
+            <a:solidFill>
+              <a:schemeClr val="accent6"/>
+            </a:solidFill>
+            <a:tailEnd type="triangle"/>
+          </a:ln>
+        </p:spPr>
+        <p:style>
+          <a:lnRef idx="1">
+            <a:schemeClr val="accent1"/>
+          </a:lnRef>
+          <a:fillRef idx="0">
+            <a:schemeClr val="accent1"/>
+          </a:fillRef>
+          <a:effectRef idx="0">
+            <a:schemeClr val="accent1"/>
+          </a:effectRef>
+          <a:fontRef idx="minor">
+            <a:schemeClr val="tx1"/>
+          </a:fontRef>
+        </p:style>
+      </p:cxnSp>
+      <p:sp>
+        <p:nvSpPr>
+          <p:cNvPr id="98" name="Rectangle 97"/>
           <p:cNvSpPr/>
           <p:nvPr/>
         </p:nvSpPr>
         <p:spPr>
           <a:xfrm>
-            <a:off x="1676401" y="1981201"/>
-            <a:ext cx="533400" cy="1066800"/>
+            <a:off x="1404080" y="2667000"/>
+            <a:ext cx="719701" cy="1066800"/>
           </a:xfrm>
           <a:prstGeom prst="rect">
             <a:avLst/>
           </a:prstGeom>
+          <a:noFill/>
         </p:spPr>
         <p:style>
           <a:lnRef idx="2">
@@ -3175,32 +3654,67 @@
           <a:p>
             <a:pPr algn="ctr"/>
             <a:r>
-              <a:rPr lang="en-US" sz="800" dirty="0" smtClean="0"/>
-              <a:t>Filter Data</a:t>
-            </a:r>
-            <a:endParaRPr lang="en-US" sz="800" dirty="0"/>
-          </a:p>
-        </p:txBody>
-      </p:sp>
-      <p:sp>
-        <p:nvSpPr>
-          <p:cNvPr id="6" name="Rectangle 5"/>
+              <a:rPr lang="en-US" sz="1050" dirty="0">
+                <a:solidFill>
+                  <a:schemeClr val="tx1"/>
+                </a:solidFill>
+              </a:rPr>
+              <a:t>Read Data</a:t>
+            </a:r>
+          </a:p>
+        </p:txBody>
+      </p:sp>
+      <p:cxnSp>
+        <p:nvCxnSpPr>
+          <p:cNvPr id="107" name="Straight Arrow Connector 106"/>
+          <p:cNvCxnSpPr/>
+          <p:nvPr/>
+        </p:nvCxnSpPr>
+        <p:spPr>
+          <a:xfrm>
+            <a:off x="2062512" y="3200400"/>
+            <a:ext cx="190500" cy="0"/>
+          </a:xfrm>
+          <a:prstGeom prst="straightConnector1">
+            <a:avLst/>
+          </a:prstGeom>
+          <a:ln>
+            <a:solidFill>
+              <a:schemeClr val="accent6"/>
+            </a:solidFill>
+            <a:tailEnd type="triangle"/>
+          </a:ln>
+        </p:spPr>
+        <p:style>
+          <a:lnRef idx="1">
+            <a:schemeClr val="accent1"/>
+          </a:lnRef>
+          <a:fillRef idx="0">
+            <a:schemeClr val="accent1"/>
+          </a:fillRef>
+          <a:effectRef idx="0">
+            <a:schemeClr val="accent1"/>
+          </a:effectRef>
+          <a:fontRef idx="minor">
+            <a:schemeClr val="tx1"/>
+          </a:fontRef>
+        </p:style>
+      </p:cxnSp>
+      <p:sp>
+        <p:nvSpPr>
+          <p:cNvPr id="115" name="Rectangle 114"/>
           <p:cNvSpPr/>
           <p:nvPr/>
         </p:nvSpPr>
         <p:spPr>
           <a:xfrm>
-            <a:off x="4648200" y="1981201"/>
-            <a:ext cx="732121" cy="1066800"/>
+            <a:off x="1404080" y="4114800"/>
+            <a:ext cx="719701" cy="1066800"/>
           </a:xfrm>
           <a:prstGeom prst="rect">
             <a:avLst/>
           </a:prstGeom>
-          <a:solidFill>
-            <a:schemeClr val="accent3">
-              <a:lumMod val="75000"/>
-            </a:schemeClr>
-          </a:solidFill>
+          <a:noFill/>
         </p:spPr>
         <p:style>
           <a:lnRef idx="2">
@@ -3224,404 +3738,34 @@
           <a:p>
             <a:pPr algn="ctr"/>
             <a:r>
-              <a:rPr lang="en-US" sz="800" dirty="0" smtClean="0"/>
-              <a:t>Store Spike Waveforms</a:t>
-            </a:r>
-          </a:p>
-        </p:txBody>
-      </p:sp>
-      <p:sp>
-        <p:nvSpPr>
-          <p:cNvPr id="7" name="Rectangle 6"/>
-          <p:cNvSpPr/>
-          <p:nvPr/>
-        </p:nvSpPr>
-        <p:spPr>
-          <a:xfrm>
-            <a:off x="6466259" y="3276600"/>
-            <a:ext cx="732121" cy="1066800"/>
-          </a:xfrm>
-          <a:prstGeom prst="rect">
-            <a:avLst/>
-          </a:prstGeom>
-          <a:solidFill>
-            <a:srgbClr val="00B0F0"/>
-          </a:solidFill>
-        </p:spPr>
-        <p:style>
-          <a:lnRef idx="2">
-            <a:schemeClr val="accent1">
-              <a:shade val="50000"/>
-            </a:schemeClr>
-          </a:lnRef>
-          <a:fillRef idx="1">
-            <a:schemeClr val="accent1"/>
-          </a:fillRef>
-          <a:effectRef idx="0">
-            <a:schemeClr val="accent1"/>
-          </a:effectRef>
-          <a:fontRef idx="minor">
-            <a:schemeClr val="lt1"/>
-          </a:fontRef>
-        </p:style>
-        <p:txBody>
-          <a:bodyPr rtlCol="0" anchor="ctr"/>
-          <a:lstStyle/>
-          <a:p>
-            <a:pPr algn="ctr"/>
-            <a:r>
-              <a:rPr lang="en-US" sz="800" dirty="0" smtClean="0"/>
-              <a:t>Determine </a:t>
-            </a:r>
-            <a:r>
-              <a:rPr lang="en-US" sz="800" dirty="0" err="1" smtClean="0"/>
-              <a:t>Peristimulus</a:t>
-            </a:r>
-            <a:r>
-              <a:rPr lang="en-US" sz="800" dirty="0" smtClean="0"/>
-              <a:t> Spikes</a:t>
-            </a:r>
-          </a:p>
-        </p:txBody>
-      </p:sp>
-      <p:sp>
-        <p:nvSpPr>
-          <p:cNvPr id="8" name="Rectangle 7"/>
-          <p:cNvSpPr/>
-          <p:nvPr/>
-        </p:nvSpPr>
-        <p:spPr>
-          <a:xfrm>
-            <a:off x="8270219" y="1981201"/>
-            <a:ext cx="732121" cy="1066800"/>
-          </a:xfrm>
-          <a:prstGeom prst="rect">
-            <a:avLst/>
-          </a:prstGeom>
-        </p:spPr>
-        <p:style>
-          <a:lnRef idx="2">
-            <a:schemeClr val="accent1">
-              <a:shade val="50000"/>
-            </a:schemeClr>
-          </a:lnRef>
-          <a:fillRef idx="1">
-            <a:schemeClr val="accent1"/>
-          </a:fillRef>
-          <a:effectRef idx="0">
-            <a:schemeClr val="accent1"/>
-          </a:effectRef>
-          <a:fontRef idx="minor">
-            <a:schemeClr val="lt1"/>
-          </a:fontRef>
-        </p:style>
-        <p:txBody>
-          <a:bodyPr rtlCol="0" anchor="ctr"/>
-          <a:lstStyle/>
-          <a:p>
-            <a:pPr algn="ctr"/>
-            <a:r>
-              <a:rPr lang="en-US" sz="800" dirty="0" smtClean="0"/>
-              <a:t>Update RMS and Mean</a:t>
-            </a:r>
-            <a:endParaRPr lang="en-US" sz="800" dirty="0"/>
-          </a:p>
-        </p:txBody>
-      </p:sp>
-      <p:sp>
-        <p:nvSpPr>
-          <p:cNvPr id="9" name="Rectangle 8"/>
-          <p:cNvSpPr/>
-          <p:nvPr/>
-        </p:nvSpPr>
-        <p:spPr>
-          <a:xfrm>
-            <a:off x="786840" y="1981201"/>
-            <a:ext cx="719701" cy="1066800"/>
-          </a:xfrm>
-          <a:prstGeom prst="rect">
-            <a:avLst/>
-          </a:prstGeom>
-        </p:spPr>
-        <p:style>
-          <a:lnRef idx="2">
-            <a:schemeClr val="accent1">
-              <a:shade val="50000"/>
-            </a:schemeClr>
-          </a:lnRef>
-          <a:fillRef idx="1">
-            <a:schemeClr val="accent1"/>
-          </a:fillRef>
-          <a:effectRef idx="0">
-            <a:schemeClr val="accent1"/>
-          </a:effectRef>
-          <a:fontRef idx="minor">
-            <a:schemeClr val="lt1"/>
-          </a:fontRef>
-        </p:style>
-        <p:txBody>
-          <a:bodyPr rtlCol="0" anchor="ctr"/>
-          <a:lstStyle/>
-          <a:p>
-            <a:pPr algn="ctr"/>
-            <a:r>
-              <a:rPr lang="en-US" sz="800" dirty="0" smtClean="0"/>
-              <a:t>Global Mean Subtract</a:t>
-            </a:r>
-            <a:endParaRPr lang="en-US" sz="800" dirty="0"/>
-          </a:p>
-        </p:txBody>
-      </p:sp>
-      <p:sp>
-        <p:nvSpPr>
-          <p:cNvPr id="10" name="Rectangle 9"/>
-          <p:cNvSpPr/>
-          <p:nvPr/>
-        </p:nvSpPr>
-        <p:spPr>
-          <a:xfrm>
-            <a:off x="3227546" y="1987551"/>
-            <a:ext cx="732121" cy="1066800"/>
-          </a:xfrm>
-          <a:prstGeom prst="rect">
-            <a:avLst/>
-          </a:prstGeom>
-        </p:spPr>
-        <p:style>
-          <a:lnRef idx="2">
-            <a:schemeClr val="accent1">
-              <a:shade val="50000"/>
-            </a:schemeClr>
-          </a:lnRef>
-          <a:fillRef idx="1">
-            <a:schemeClr val="accent1"/>
-          </a:fillRef>
-          <a:effectRef idx="0">
-            <a:schemeClr val="accent1"/>
-          </a:effectRef>
-          <a:fontRef idx="minor">
-            <a:schemeClr val="lt1"/>
-          </a:fontRef>
-        </p:style>
-        <p:txBody>
-          <a:bodyPr rtlCol="0" anchor="ctr"/>
-          <a:lstStyle/>
-          <a:p>
-            <a:pPr algn="ctr"/>
-            <a:r>
-              <a:rPr lang="en-US" sz="800" dirty="0" smtClean="0"/>
-              <a:t>Detect and Find Positions of Spikes in Buffer</a:t>
-            </a:r>
-            <a:endParaRPr lang="en-US" sz="800" dirty="0"/>
-          </a:p>
-        </p:txBody>
-      </p:sp>
-      <p:sp>
-        <p:nvSpPr>
-          <p:cNvPr id="11" name="Rectangle 10"/>
-          <p:cNvSpPr/>
-          <p:nvPr/>
-        </p:nvSpPr>
-        <p:spPr>
-          <a:xfrm>
-            <a:off x="5564279" y="3276600"/>
-            <a:ext cx="732121" cy="1066800"/>
-          </a:xfrm>
-          <a:prstGeom prst="rect">
-            <a:avLst/>
-          </a:prstGeom>
-          <a:solidFill>
-            <a:srgbClr val="00B0F0"/>
-          </a:solidFill>
-        </p:spPr>
-        <p:style>
-          <a:lnRef idx="2">
-            <a:schemeClr val="accent1">
-              <a:shade val="50000"/>
-            </a:schemeClr>
-          </a:lnRef>
-          <a:fillRef idx="1">
-            <a:schemeClr val="accent1"/>
-          </a:fillRef>
-          <a:effectRef idx="0">
-            <a:schemeClr val="accent1"/>
-          </a:effectRef>
-          <a:fontRef idx="minor">
-            <a:schemeClr val="lt1"/>
-          </a:fontRef>
-        </p:style>
-        <p:txBody>
-          <a:bodyPr rtlCol="0" anchor="ctr"/>
-          <a:lstStyle/>
-          <a:p>
-            <a:pPr algn="ctr"/>
-            <a:r>
-              <a:rPr lang="en-US" sz="800" dirty="0" smtClean="0"/>
-              <a:t>Detect Stimuli</a:t>
-            </a:r>
-            <a:endParaRPr lang="en-US" sz="800" dirty="0" smtClean="0"/>
-          </a:p>
-        </p:txBody>
-      </p:sp>
-      <p:sp>
-        <p:nvSpPr>
-          <p:cNvPr id="12" name="Rectangle 11"/>
-          <p:cNvSpPr/>
-          <p:nvPr/>
-        </p:nvSpPr>
-        <p:spPr>
-          <a:xfrm>
-            <a:off x="7368239" y="1981201"/>
-            <a:ext cx="732121" cy="1066800"/>
-          </a:xfrm>
-          <a:prstGeom prst="rect">
-            <a:avLst/>
-          </a:prstGeom>
-        </p:spPr>
-        <p:style>
-          <a:lnRef idx="2">
-            <a:schemeClr val="accent1">
-              <a:shade val="50000"/>
-            </a:schemeClr>
-          </a:lnRef>
-          <a:fillRef idx="1">
-            <a:schemeClr val="accent1"/>
-          </a:fillRef>
-          <a:effectRef idx="0">
-            <a:schemeClr val="accent1"/>
-          </a:effectRef>
-          <a:fontRef idx="minor">
-            <a:schemeClr val="lt1"/>
-          </a:fontRef>
-        </p:style>
-        <p:txBody>
-          <a:bodyPr rtlCol="0" anchor="ctr"/>
-          <a:lstStyle/>
-          <a:p>
-            <a:pPr algn="ctr"/>
-            <a:r>
-              <a:rPr lang="en-US" sz="800" dirty="0" smtClean="0"/>
-              <a:t>Plot Spike Waveforms</a:t>
-            </a:r>
-            <a:endParaRPr lang="en-US" sz="800" dirty="0"/>
-          </a:p>
-        </p:txBody>
-      </p:sp>
-      <p:sp>
-        <p:nvSpPr>
-          <p:cNvPr id="18" name="Rectangle 17"/>
-          <p:cNvSpPr/>
-          <p:nvPr/>
-        </p:nvSpPr>
-        <p:spPr>
-          <a:xfrm>
-            <a:off x="2402293" y="685801"/>
-            <a:ext cx="732121" cy="1066800"/>
-          </a:xfrm>
-          <a:prstGeom prst="rect">
-            <a:avLst/>
-          </a:prstGeom>
-          <a:solidFill>
-            <a:schemeClr val="tx2">
-              <a:lumMod val="75000"/>
-            </a:schemeClr>
-          </a:solidFill>
-        </p:spPr>
-        <p:style>
-          <a:lnRef idx="2">
-            <a:schemeClr val="accent1">
-              <a:shade val="50000"/>
-            </a:schemeClr>
-          </a:lnRef>
-          <a:fillRef idx="1">
-            <a:schemeClr val="accent1"/>
-          </a:fillRef>
-          <a:effectRef idx="0">
-            <a:schemeClr val="accent1"/>
-          </a:effectRef>
-          <a:fontRef idx="minor">
-            <a:schemeClr val="lt1"/>
-          </a:fontRef>
-        </p:style>
-        <p:txBody>
-          <a:bodyPr rtlCol="0" anchor="ctr"/>
-          <a:lstStyle/>
-          <a:p>
-            <a:pPr algn="ctr"/>
-            <a:r>
-              <a:rPr lang="en-US" sz="800" dirty="0" smtClean="0"/>
-              <a:t>Detect Stimuli</a:t>
-            </a:r>
-            <a:endParaRPr lang="en-US" sz="800" dirty="0" smtClean="0"/>
-          </a:p>
-        </p:txBody>
-      </p:sp>
-      <p:sp>
-        <p:nvSpPr>
-          <p:cNvPr id="19" name="Rectangle 18"/>
-          <p:cNvSpPr/>
-          <p:nvPr/>
-        </p:nvSpPr>
-        <p:spPr>
-          <a:xfrm>
-            <a:off x="7340040" y="3276600"/>
-            <a:ext cx="732121" cy="1066800"/>
-          </a:xfrm>
-          <a:prstGeom prst="rect">
-            <a:avLst/>
-          </a:prstGeom>
-          <a:solidFill>
-            <a:srgbClr val="00B0F0"/>
-          </a:solidFill>
-        </p:spPr>
-        <p:style>
-          <a:lnRef idx="2">
-            <a:schemeClr val="accent1">
-              <a:shade val="50000"/>
-            </a:schemeClr>
-          </a:lnRef>
-          <a:fillRef idx="1">
-            <a:schemeClr val="accent1"/>
-          </a:fillRef>
-          <a:effectRef idx="0">
-            <a:schemeClr val="accent1"/>
-          </a:effectRef>
-          <a:fontRef idx="minor">
-            <a:schemeClr val="lt1"/>
-          </a:fontRef>
-        </p:style>
-        <p:txBody>
-          <a:bodyPr rtlCol="0" anchor="ctr"/>
-          <a:lstStyle/>
-          <a:p>
-            <a:pPr algn="ctr"/>
-            <a:r>
-              <a:rPr lang="en-US" sz="800" dirty="0" smtClean="0"/>
-              <a:t>Plot  Raster</a:t>
-            </a:r>
-            <a:endParaRPr lang="en-US" sz="800" dirty="0"/>
+              <a:rPr lang="en-US" sz="1050" dirty="0">
+                <a:solidFill>
+                  <a:schemeClr val="tx1"/>
+                </a:solidFill>
+              </a:rPr>
+              <a:t>Read Data</a:t>
+            </a:r>
           </a:p>
         </p:txBody>
       </p:sp>
       <p:cxnSp>
         <p:nvCxnSpPr>
-          <p:cNvPr id="21" name="Elbow Connector 20"/>
-          <p:cNvCxnSpPr>
-            <a:stCxn id="19" idx="3"/>
-            <a:endCxn id="8" idx="2"/>
-          </p:cNvCxnSpPr>
+          <p:cNvPr id="124" name="Straight Arrow Connector 123"/>
+          <p:cNvCxnSpPr/>
           <p:nvPr/>
         </p:nvCxnSpPr>
         <p:spPr>
-          <a:xfrm flipV="1">
-            <a:off x="8072161" y="3048001"/>
-            <a:ext cx="564119" cy="761999"/>
-          </a:xfrm>
-          <a:prstGeom prst="bentConnector2">
-            <a:avLst/>
-          </a:prstGeom>
-          <a:ln w="28575">
-            <a:headEnd type="none"/>
+          <a:xfrm>
+            <a:off x="2062512" y="4648200"/>
+            <a:ext cx="190500" cy="0"/>
+          </a:xfrm>
+          <a:prstGeom prst="straightConnector1">
+            <a:avLst/>
+          </a:prstGeom>
+          <a:ln>
+            <a:solidFill>
+              <a:schemeClr val="accent6"/>
+            </a:solidFill>
             <a:tailEnd type="triangle"/>
           </a:ln>
         </p:spPr>
@@ -3642,23 +3786,299 @@
       </p:cxnSp>
       <p:cxnSp>
         <p:nvCxnSpPr>
-          <p:cNvPr id="23" name="Elbow Connector 22"/>
-          <p:cNvCxnSpPr>
-            <a:stCxn id="5" idx="0"/>
-            <a:endCxn id="18" idx="1"/>
-          </p:cNvCxnSpPr>
+          <p:cNvPr id="134" name="Straight Connector 133"/>
+          <p:cNvCxnSpPr/>
           <p:nvPr/>
         </p:nvCxnSpPr>
         <p:spPr>
-          <a:xfrm rot="5400000" flipH="1" flipV="1">
-            <a:off x="1791697" y="1370605"/>
-            <a:ext cx="762000" cy="459192"/>
-          </a:xfrm>
-          <a:prstGeom prst="bentConnector2">
-            <a:avLst/>
-          </a:prstGeom>
-          <a:ln w="28575">
-            <a:headEnd type="none"/>
+          <a:xfrm>
+            <a:off x="1389149" y="914400"/>
+            <a:ext cx="749563" cy="0"/>
+          </a:xfrm>
+          <a:prstGeom prst="line">
+            <a:avLst/>
+          </a:prstGeom>
+          <a:ln w="44450"/>
+        </p:spPr>
+        <p:style>
+          <a:lnRef idx="1">
+            <a:schemeClr val="accent1"/>
+          </a:lnRef>
+          <a:fillRef idx="0">
+            <a:schemeClr val="accent1"/>
+          </a:fillRef>
+          <a:effectRef idx="0">
+            <a:schemeClr val="accent1"/>
+          </a:effectRef>
+          <a:fontRef idx="minor">
+            <a:schemeClr val="tx1"/>
+          </a:fontRef>
+        </p:style>
+      </p:cxnSp>
+      <p:sp>
+        <p:nvSpPr>
+          <p:cNvPr id="145" name="TextBox 144"/>
+          <p:cNvSpPr txBox="1"/>
+          <p:nvPr/>
+        </p:nvSpPr>
+        <p:spPr>
+          <a:xfrm>
+            <a:off x="1245461" y="606623"/>
+            <a:ext cx="1036938" cy="307777"/>
+          </a:xfrm>
+          <a:prstGeom prst="rect">
+            <a:avLst/>
+          </a:prstGeom>
+          <a:noFill/>
+        </p:spPr>
+        <p:txBody>
+          <a:bodyPr wrap="square" rtlCol="0" anchor="ctr">
+            <a:spAutoFit/>
+          </a:bodyPr>
+          <a:lstStyle/>
+          <a:p>
+            <a:pPr algn="ctr"/>
+            <a:r>
+              <a:rPr lang="en-US" sz="1400" dirty="0"/>
+              <a:t>Stage 1</a:t>
+            </a:r>
+          </a:p>
+        </p:txBody>
+      </p:sp>
+      <p:sp>
+        <p:nvSpPr>
+          <p:cNvPr id="178" name="Rectangle 177"/>
+          <p:cNvSpPr/>
+          <p:nvPr/>
+        </p:nvSpPr>
+        <p:spPr>
+          <a:xfrm>
+            <a:off x="2260508" y="1143000"/>
+            <a:ext cx="719701" cy="1066800"/>
+          </a:xfrm>
+          <a:prstGeom prst="rect">
+            <a:avLst/>
+          </a:prstGeom>
+          <a:noFill/>
+        </p:spPr>
+        <p:style>
+          <a:lnRef idx="2">
+            <a:schemeClr val="accent1">
+              <a:shade val="50000"/>
+            </a:schemeClr>
+          </a:lnRef>
+          <a:fillRef idx="1">
+            <a:schemeClr val="accent1"/>
+          </a:fillRef>
+          <a:effectRef idx="0">
+            <a:schemeClr val="accent1"/>
+          </a:effectRef>
+          <a:fontRef idx="minor">
+            <a:schemeClr val="lt1"/>
+          </a:fontRef>
+        </p:style>
+        <p:txBody>
+          <a:bodyPr rtlCol="0" anchor="ctr"/>
+          <a:lstStyle/>
+          <a:p>
+            <a:pPr algn="ctr"/>
+            <a:r>
+              <a:rPr lang="en-US" sz="1050" dirty="0">
+                <a:solidFill>
+                  <a:schemeClr val="tx1"/>
+                </a:solidFill>
+              </a:rPr>
+              <a:t>Global Mean Subtract</a:t>
+            </a:r>
+          </a:p>
+        </p:txBody>
+      </p:sp>
+      <p:cxnSp>
+        <p:nvCxnSpPr>
+          <p:cNvPr id="179" name="Straight Arrow Connector 178"/>
+          <p:cNvCxnSpPr/>
+          <p:nvPr/>
+        </p:nvCxnSpPr>
+        <p:spPr>
+          <a:xfrm>
+            <a:off x="2918940" y="1676400"/>
+            <a:ext cx="190500" cy="0"/>
+          </a:xfrm>
+          <a:prstGeom prst="straightConnector1">
+            <a:avLst/>
+          </a:prstGeom>
+          <a:ln>
+            <a:solidFill>
+              <a:schemeClr val="accent6"/>
+            </a:solidFill>
+            <a:tailEnd type="triangle"/>
+          </a:ln>
+        </p:spPr>
+        <p:style>
+          <a:lnRef idx="1">
+            <a:schemeClr val="accent1"/>
+          </a:lnRef>
+          <a:fillRef idx="0">
+            <a:schemeClr val="accent1"/>
+          </a:fillRef>
+          <a:effectRef idx="0">
+            <a:schemeClr val="accent1"/>
+          </a:effectRef>
+          <a:fontRef idx="minor">
+            <a:schemeClr val="tx1"/>
+          </a:fontRef>
+        </p:style>
+      </p:cxnSp>
+      <p:sp>
+        <p:nvSpPr>
+          <p:cNvPr id="180" name="Rectangle 179"/>
+          <p:cNvSpPr/>
+          <p:nvPr/>
+        </p:nvSpPr>
+        <p:spPr>
+          <a:xfrm>
+            <a:off x="2260508" y="2667000"/>
+            <a:ext cx="719701" cy="1066800"/>
+          </a:xfrm>
+          <a:prstGeom prst="rect">
+            <a:avLst/>
+          </a:prstGeom>
+          <a:noFill/>
+        </p:spPr>
+        <p:style>
+          <a:lnRef idx="2">
+            <a:schemeClr val="accent1">
+              <a:shade val="50000"/>
+            </a:schemeClr>
+          </a:lnRef>
+          <a:fillRef idx="1">
+            <a:schemeClr val="accent1"/>
+          </a:fillRef>
+          <a:effectRef idx="0">
+            <a:schemeClr val="accent1"/>
+          </a:effectRef>
+          <a:fontRef idx="minor">
+            <a:schemeClr val="lt1"/>
+          </a:fontRef>
+        </p:style>
+        <p:txBody>
+          <a:bodyPr rtlCol="0" anchor="ctr"/>
+          <a:lstStyle/>
+          <a:p>
+            <a:pPr algn="ctr"/>
+            <a:r>
+              <a:rPr lang="en-US" sz="1050" dirty="0">
+                <a:solidFill>
+                  <a:schemeClr val="tx1"/>
+                </a:solidFill>
+              </a:rPr>
+              <a:t>Global Mean Subtract</a:t>
+            </a:r>
+          </a:p>
+        </p:txBody>
+      </p:sp>
+      <p:cxnSp>
+        <p:nvCxnSpPr>
+          <p:cNvPr id="181" name="Straight Arrow Connector 180"/>
+          <p:cNvCxnSpPr/>
+          <p:nvPr/>
+        </p:nvCxnSpPr>
+        <p:spPr>
+          <a:xfrm>
+            <a:off x="2918940" y="3200400"/>
+            <a:ext cx="190500" cy="0"/>
+          </a:xfrm>
+          <a:prstGeom prst="straightConnector1">
+            <a:avLst/>
+          </a:prstGeom>
+          <a:ln>
+            <a:solidFill>
+              <a:schemeClr val="accent6"/>
+            </a:solidFill>
+            <a:tailEnd type="triangle"/>
+          </a:ln>
+        </p:spPr>
+        <p:style>
+          <a:lnRef idx="1">
+            <a:schemeClr val="accent1"/>
+          </a:lnRef>
+          <a:fillRef idx="0">
+            <a:schemeClr val="accent1"/>
+          </a:fillRef>
+          <a:effectRef idx="0">
+            <a:schemeClr val="accent1"/>
+          </a:effectRef>
+          <a:fontRef idx="minor">
+            <a:schemeClr val="tx1"/>
+          </a:fontRef>
+        </p:style>
+      </p:cxnSp>
+      <p:sp>
+        <p:nvSpPr>
+          <p:cNvPr id="182" name="Rectangle 181"/>
+          <p:cNvSpPr/>
+          <p:nvPr/>
+        </p:nvSpPr>
+        <p:spPr>
+          <a:xfrm>
+            <a:off x="2260508" y="4114800"/>
+            <a:ext cx="719701" cy="1066800"/>
+          </a:xfrm>
+          <a:prstGeom prst="rect">
+            <a:avLst/>
+          </a:prstGeom>
+          <a:noFill/>
+        </p:spPr>
+        <p:style>
+          <a:lnRef idx="2">
+            <a:schemeClr val="accent1">
+              <a:shade val="50000"/>
+            </a:schemeClr>
+          </a:lnRef>
+          <a:fillRef idx="1">
+            <a:schemeClr val="accent1"/>
+          </a:fillRef>
+          <a:effectRef idx="0">
+            <a:schemeClr val="accent1"/>
+          </a:effectRef>
+          <a:fontRef idx="minor">
+            <a:schemeClr val="lt1"/>
+          </a:fontRef>
+        </p:style>
+        <p:txBody>
+          <a:bodyPr rtlCol="0" anchor="ctr"/>
+          <a:lstStyle/>
+          <a:p>
+            <a:pPr algn="ctr"/>
+            <a:r>
+              <a:rPr lang="en-US" sz="1050" dirty="0">
+                <a:solidFill>
+                  <a:schemeClr val="tx1"/>
+                </a:solidFill>
+              </a:rPr>
+              <a:t>Global Mean Subtract</a:t>
+            </a:r>
+          </a:p>
+        </p:txBody>
+      </p:sp>
+      <p:cxnSp>
+        <p:nvCxnSpPr>
+          <p:cNvPr id="183" name="Straight Arrow Connector 182"/>
+          <p:cNvCxnSpPr/>
+          <p:nvPr/>
+        </p:nvCxnSpPr>
+        <p:spPr>
+          <a:xfrm>
+            <a:off x="2918940" y="4648200"/>
+            <a:ext cx="190500" cy="0"/>
+          </a:xfrm>
+          <a:prstGeom prst="straightConnector1">
+            <a:avLst/>
+          </a:prstGeom>
+          <a:ln>
+            <a:solidFill>
+              <a:schemeClr val="accent6"/>
+            </a:solidFill>
             <a:tailEnd type="triangle"/>
           </a:ln>
         </p:spPr>
@@ -3679,23 +4099,299 @@
       </p:cxnSp>
       <p:cxnSp>
         <p:nvCxnSpPr>
-          <p:cNvPr id="25" name="Elbow Connector 24"/>
-          <p:cNvCxnSpPr>
-            <a:stCxn id="18" idx="3"/>
-            <a:endCxn id="10" idx="0"/>
-          </p:cNvCxnSpPr>
+          <p:cNvPr id="184" name="Straight Connector 183"/>
+          <p:cNvCxnSpPr/>
           <p:nvPr/>
         </p:nvCxnSpPr>
         <p:spPr>
           <a:xfrm>
-            <a:off x="3134414" y="1219201"/>
-            <a:ext cx="459193" cy="768350"/>
-          </a:xfrm>
-          <a:prstGeom prst="bentConnector2">
-            <a:avLst/>
-          </a:prstGeom>
-          <a:ln w="28575">
-            <a:headEnd type="none"/>
+            <a:off x="2245577" y="914400"/>
+            <a:ext cx="749563" cy="0"/>
+          </a:xfrm>
+          <a:prstGeom prst="line">
+            <a:avLst/>
+          </a:prstGeom>
+          <a:ln w="44450"/>
+        </p:spPr>
+        <p:style>
+          <a:lnRef idx="1">
+            <a:schemeClr val="accent1"/>
+          </a:lnRef>
+          <a:fillRef idx="0">
+            <a:schemeClr val="accent1"/>
+          </a:fillRef>
+          <a:effectRef idx="0">
+            <a:schemeClr val="accent1"/>
+          </a:effectRef>
+          <a:fontRef idx="minor">
+            <a:schemeClr val="tx1"/>
+          </a:fontRef>
+        </p:style>
+      </p:cxnSp>
+      <p:sp>
+        <p:nvSpPr>
+          <p:cNvPr id="185" name="TextBox 184"/>
+          <p:cNvSpPr txBox="1"/>
+          <p:nvPr/>
+        </p:nvSpPr>
+        <p:spPr>
+          <a:xfrm>
+            <a:off x="2101889" y="606623"/>
+            <a:ext cx="1036938" cy="307777"/>
+          </a:xfrm>
+          <a:prstGeom prst="rect">
+            <a:avLst/>
+          </a:prstGeom>
+          <a:noFill/>
+        </p:spPr>
+        <p:txBody>
+          <a:bodyPr wrap="square" rtlCol="0" anchor="ctr">
+            <a:spAutoFit/>
+          </a:bodyPr>
+          <a:lstStyle/>
+          <a:p>
+            <a:pPr algn="ctr"/>
+            <a:r>
+              <a:rPr lang="en-US" sz="1400" dirty="0"/>
+              <a:t>Stage 2</a:t>
+            </a:r>
+          </a:p>
+        </p:txBody>
+      </p:sp>
+      <p:sp>
+        <p:nvSpPr>
+          <p:cNvPr id="186" name="Rectangle 185"/>
+          <p:cNvSpPr/>
+          <p:nvPr/>
+        </p:nvSpPr>
+        <p:spPr>
+          <a:xfrm>
+            <a:off x="3116936" y="1143000"/>
+            <a:ext cx="719701" cy="1066800"/>
+          </a:xfrm>
+          <a:prstGeom prst="rect">
+            <a:avLst/>
+          </a:prstGeom>
+          <a:noFill/>
+        </p:spPr>
+        <p:style>
+          <a:lnRef idx="2">
+            <a:schemeClr val="accent1">
+              <a:shade val="50000"/>
+            </a:schemeClr>
+          </a:lnRef>
+          <a:fillRef idx="1">
+            <a:schemeClr val="accent1"/>
+          </a:fillRef>
+          <a:effectRef idx="0">
+            <a:schemeClr val="accent1"/>
+          </a:effectRef>
+          <a:fontRef idx="minor">
+            <a:schemeClr val="lt1"/>
+          </a:fontRef>
+        </p:style>
+        <p:txBody>
+          <a:bodyPr rtlCol="0" anchor="ctr"/>
+          <a:lstStyle/>
+          <a:p>
+            <a:pPr algn="ctr"/>
+            <a:r>
+              <a:rPr lang="en-US" sz="1050" dirty="0">
+                <a:solidFill>
+                  <a:schemeClr val="tx1"/>
+                </a:solidFill>
+              </a:rPr>
+              <a:t>Filter Data</a:t>
+            </a:r>
+          </a:p>
+        </p:txBody>
+      </p:sp>
+      <p:cxnSp>
+        <p:nvCxnSpPr>
+          <p:cNvPr id="187" name="Straight Arrow Connector 186"/>
+          <p:cNvCxnSpPr/>
+          <p:nvPr/>
+        </p:nvCxnSpPr>
+        <p:spPr>
+          <a:xfrm>
+            <a:off x="3775368" y="1676400"/>
+            <a:ext cx="190500" cy="0"/>
+          </a:xfrm>
+          <a:prstGeom prst="straightConnector1">
+            <a:avLst/>
+          </a:prstGeom>
+          <a:ln>
+            <a:solidFill>
+              <a:schemeClr val="accent6"/>
+            </a:solidFill>
+            <a:tailEnd type="triangle"/>
+          </a:ln>
+        </p:spPr>
+        <p:style>
+          <a:lnRef idx="1">
+            <a:schemeClr val="accent1"/>
+          </a:lnRef>
+          <a:fillRef idx="0">
+            <a:schemeClr val="accent1"/>
+          </a:fillRef>
+          <a:effectRef idx="0">
+            <a:schemeClr val="accent1"/>
+          </a:effectRef>
+          <a:fontRef idx="minor">
+            <a:schemeClr val="tx1"/>
+          </a:fontRef>
+        </p:style>
+      </p:cxnSp>
+      <p:sp>
+        <p:nvSpPr>
+          <p:cNvPr id="188" name="Rectangle 187"/>
+          <p:cNvSpPr/>
+          <p:nvPr/>
+        </p:nvSpPr>
+        <p:spPr>
+          <a:xfrm>
+            <a:off x="3116936" y="2667000"/>
+            <a:ext cx="719701" cy="1066800"/>
+          </a:xfrm>
+          <a:prstGeom prst="rect">
+            <a:avLst/>
+          </a:prstGeom>
+          <a:noFill/>
+        </p:spPr>
+        <p:style>
+          <a:lnRef idx="2">
+            <a:schemeClr val="accent1">
+              <a:shade val="50000"/>
+            </a:schemeClr>
+          </a:lnRef>
+          <a:fillRef idx="1">
+            <a:schemeClr val="accent1"/>
+          </a:fillRef>
+          <a:effectRef idx="0">
+            <a:schemeClr val="accent1"/>
+          </a:effectRef>
+          <a:fontRef idx="minor">
+            <a:schemeClr val="lt1"/>
+          </a:fontRef>
+        </p:style>
+        <p:txBody>
+          <a:bodyPr rtlCol="0" anchor="ctr"/>
+          <a:lstStyle/>
+          <a:p>
+            <a:pPr algn="ctr"/>
+            <a:r>
+              <a:rPr lang="en-US" sz="1050" dirty="0">
+                <a:solidFill>
+                  <a:schemeClr val="tx1"/>
+                </a:solidFill>
+              </a:rPr>
+              <a:t>Filter Data</a:t>
+            </a:r>
+          </a:p>
+        </p:txBody>
+      </p:sp>
+      <p:cxnSp>
+        <p:nvCxnSpPr>
+          <p:cNvPr id="189" name="Straight Arrow Connector 188"/>
+          <p:cNvCxnSpPr/>
+          <p:nvPr/>
+        </p:nvCxnSpPr>
+        <p:spPr>
+          <a:xfrm>
+            <a:off x="3775368" y="3200400"/>
+            <a:ext cx="1039493" cy="0"/>
+          </a:xfrm>
+          <a:prstGeom prst="straightConnector1">
+            <a:avLst/>
+          </a:prstGeom>
+          <a:ln>
+            <a:solidFill>
+              <a:schemeClr val="accent6"/>
+            </a:solidFill>
+            <a:tailEnd type="triangle"/>
+          </a:ln>
+        </p:spPr>
+        <p:style>
+          <a:lnRef idx="1">
+            <a:schemeClr val="accent1"/>
+          </a:lnRef>
+          <a:fillRef idx="0">
+            <a:schemeClr val="accent1"/>
+          </a:fillRef>
+          <a:effectRef idx="0">
+            <a:schemeClr val="accent1"/>
+          </a:effectRef>
+          <a:fontRef idx="minor">
+            <a:schemeClr val="tx1"/>
+          </a:fontRef>
+        </p:style>
+      </p:cxnSp>
+      <p:sp>
+        <p:nvSpPr>
+          <p:cNvPr id="190" name="Rectangle 189"/>
+          <p:cNvSpPr/>
+          <p:nvPr/>
+        </p:nvSpPr>
+        <p:spPr>
+          <a:xfrm>
+            <a:off x="3116936" y="4114800"/>
+            <a:ext cx="719701" cy="1066800"/>
+          </a:xfrm>
+          <a:prstGeom prst="rect">
+            <a:avLst/>
+          </a:prstGeom>
+          <a:noFill/>
+        </p:spPr>
+        <p:style>
+          <a:lnRef idx="2">
+            <a:schemeClr val="accent1">
+              <a:shade val="50000"/>
+            </a:schemeClr>
+          </a:lnRef>
+          <a:fillRef idx="1">
+            <a:schemeClr val="accent1"/>
+          </a:fillRef>
+          <a:effectRef idx="0">
+            <a:schemeClr val="accent1"/>
+          </a:effectRef>
+          <a:fontRef idx="minor">
+            <a:schemeClr val="lt1"/>
+          </a:fontRef>
+        </p:style>
+        <p:txBody>
+          <a:bodyPr rtlCol="0" anchor="ctr"/>
+          <a:lstStyle/>
+          <a:p>
+            <a:pPr algn="ctr"/>
+            <a:r>
+              <a:rPr lang="en-US" sz="1050" dirty="0">
+                <a:solidFill>
+                  <a:schemeClr val="tx1"/>
+                </a:solidFill>
+              </a:rPr>
+              <a:t>Filter Data</a:t>
+            </a:r>
+          </a:p>
+        </p:txBody>
+      </p:sp>
+      <p:cxnSp>
+        <p:nvCxnSpPr>
+          <p:cNvPr id="191" name="Straight Arrow Connector 190"/>
+          <p:cNvCxnSpPr/>
+          <p:nvPr/>
+        </p:nvCxnSpPr>
+        <p:spPr>
+          <a:xfrm>
+            <a:off x="3775368" y="4648200"/>
+            <a:ext cx="190500" cy="0"/>
+          </a:xfrm>
+          <a:prstGeom prst="straightConnector1">
+            <a:avLst/>
+          </a:prstGeom>
+          <a:ln>
+            <a:solidFill>
+              <a:schemeClr val="accent6"/>
+            </a:solidFill>
             <a:tailEnd type="triangle"/>
           </a:ln>
         </p:spPr>
@@ -3716,23 +4412,215 @@
       </p:cxnSp>
       <p:cxnSp>
         <p:nvCxnSpPr>
-          <p:cNvPr id="27" name="Elbow Connector 26"/>
-          <p:cNvCxnSpPr>
-            <a:stCxn id="5" idx="3"/>
-            <a:endCxn id="10" idx="1"/>
-          </p:cNvCxnSpPr>
+          <p:cNvPr id="192" name="Straight Connector 191"/>
+          <p:cNvCxnSpPr/>
           <p:nvPr/>
         </p:nvCxnSpPr>
         <p:spPr>
           <a:xfrm>
-            <a:off x="2209801" y="2514601"/>
-            <a:ext cx="1017745" cy="6350"/>
-          </a:xfrm>
-          <a:prstGeom prst="bentConnector3">
-            <a:avLst/>
-          </a:prstGeom>
-          <a:ln w="28575">
-            <a:headEnd type="none"/>
+            <a:off x="3102005" y="914400"/>
+            <a:ext cx="749563" cy="0"/>
+          </a:xfrm>
+          <a:prstGeom prst="line">
+            <a:avLst/>
+          </a:prstGeom>
+          <a:ln w="44450"/>
+        </p:spPr>
+        <p:style>
+          <a:lnRef idx="1">
+            <a:schemeClr val="accent1"/>
+          </a:lnRef>
+          <a:fillRef idx="0">
+            <a:schemeClr val="accent1"/>
+          </a:fillRef>
+          <a:effectRef idx="0">
+            <a:schemeClr val="accent1"/>
+          </a:effectRef>
+          <a:fontRef idx="minor">
+            <a:schemeClr val="tx1"/>
+          </a:fontRef>
+        </p:style>
+      </p:cxnSp>
+      <p:sp>
+        <p:nvSpPr>
+          <p:cNvPr id="193" name="TextBox 192"/>
+          <p:cNvSpPr txBox="1"/>
+          <p:nvPr/>
+        </p:nvSpPr>
+        <p:spPr>
+          <a:xfrm>
+            <a:off x="2958317" y="606623"/>
+            <a:ext cx="1036938" cy="307777"/>
+          </a:xfrm>
+          <a:prstGeom prst="rect">
+            <a:avLst/>
+          </a:prstGeom>
+          <a:noFill/>
+        </p:spPr>
+        <p:txBody>
+          <a:bodyPr wrap="square" rtlCol="0" anchor="ctr">
+            <a:spAutoFit/>
+          </a:bodyPr>
+          <a:lstStyle/>
+          <a:p>
+            <a:pPr algn="ctr"/>
+            <a:r>
+              <a:rPr lang="en-US" sz="1400" dirty="0"/>
+              <a:t>Stage 3</a:t>
+            </a:r>
+          </a:p>
+        </p:txBody>
+      </p:sp>
+      <p:sp>
+        <p:nvSpPr>
+          <p:cNvPr id="194" name="Rectangle 193"/>
+          <p:cNvSpPr/>
+          <p:nvPr/>
+        </p:nvSpPr>
+        <p:spPr>
+          <a:xfrm>
+            <a:off x="3973364" y="1143000"/>
+            <a:ext cx="719701" cy="1066800"/>
+          </a:xfrm>
+          <a:prstGeom prst="rect">
+            <a:avLst/>
+          </a:prstGeom>
+          <a:noFill/>
+        </p:spPr>
+        <p:style>
+          <a:lnRef idx="2">
+            <a:schemeClr val="accent1">
+              <a:shade val="50000"/>
+            </a:schemeClr>
+          </a:lnRef>
+          <a:fillRef idx="1">
+            <a:schemeClr val="accent1"/>
+          </a:fillRef>
+          <a:effectRef idx="0">
+            <a:schemeClr val="accent1"/>
+          </a:effectRef>
+          <a:fontRef idx="minor">
+            <a:schemeClr val="lt1"/>
+          </a:fontRef>
+        </p:style>
+        <p:txBody>
+          <a:bodyPr rtlCol="0" anchor="ctr"/>
+          <a:lstStyle/>
+          <a:p>
+            <a:pPr algn="ctr"/>
+            <a:r>
+              <a:rPr lang="en-US" sz="1050" dirty="0">
+                <a:solidFill>
+                  <a:schemeClr val="tx1"/>
+                </a:solidFill>
+              </a:rPr>
+              <a:t>Detect Spikes</a:t>
+            </a:r>
+          </a:p>
+        </p:txBody>
+      </p:sp>
+      <p:cxnSp>
+        <p:nvCxnSpPr>
+          <p:cNvPr id="195" name="Straight Arrow Connector 194"/>
+          <p:cNvCxnSpPr/>
+          <p:nvPr/>
+        </p:nvCxnSpPr>
+        <p:spPr>
+          <a:xfrm>
+            <a:off x="4631796" y="1676400"/>
+            <a:ext cx="1076315" cy="0"/>
+          </a:xfrm>
+          <a:prstGeom prst="straightConnector1">
+            <a:avLst/>
+          </a:prstGeom>
+          <a:ln>
+            <a:solidFill>
+              <a:schemeClr val="accent6"/>
+            </a:solidFill>
+            <a:tailEnd type="triangle"/>
+          </a:ln>
+        </p:spPr>
+        <p:style>
+          <a:lnRef idx="1">
+            <a:schemeClr val="accent1"/>
+          </a:lnRef>
+          <a:fillRef idx="0">
+            <a:schemeClr val="accent1"/>
+          </a:fillRef>
+          <a:effectRef idx="0">
+            <a:schemeClr val="accent1"/>
+          </a:effectRef>
+          <a:fontRef idx="minor">
+            <a:schemeClr val="tx1"/>
+          </a:fontRef>
+        </p:style>
+      </p:cxnSp>
+      <p:sp>
+        <p:nvSpPr>
+          <p:cNvPr id="198" name="Rectangle 197"/>
+          <p:cNvSpPr/>
+          <p:nvPr/>
+        </p:nvSpPr>
+        <p:spPr>
+          <a:xfrm>
+            <a:off x="3973364" y="4114800"/>
+            <a:ext cx="719701" cy="1066800"/>
+          </a:xfrm>
+          <a:prstGeom prst="rect">
+            <a:avLst/>
+          </a:prstGeom>
+          <a:noFill/>
+        </p:spPr>
+        <p:style>
+          <a:lnRef idx="2">
+            <a:schemeClr val="accent1">
+              <a:shade val="50000"/>
+            </a:schemeClr>
+          </a:lnRef>
+          <a:fillRef idx="1">
+            <a:schemeClr val="accent1"/>
+          </a:fillRef>
+          <a:effectRef idx="0">
+            <a:schemeClr val="accent1"/>
+          </a:effectRef>
+          <a:fontRef idx="minor">
+            <a:schemeClr val="lt1"/>
+          </a:fontRef>
+        </p:style>
+        <p:txBody>
+          <a:bodyPr rtlCol="0" anchor="ctr"/>
+          <a:lstStyle/>
+          <a:p>
+            <a:pPr algn="ctr"/>
+            <a:r>
+              <a:rPr lang="en-US" sz="1050" dirty="0">
+                <a:solidFill>
+                  <a:schemeClr val="tx1"/>
+                </a:solidFill>
+              </a:rPr>
+              <a:t>Detect Spikes</a:t>
+            </a:r>
+          </a:p>
+        </p:txBody>
+      </p:sp>
+      <p:cxnSp>
+        <p:nvCxnSpPr>
+          <p:cNvPr id="199" name="Straight Arrow Connector 198"/>
+          <p:cNvCxnSpPr/>
+          <p:nvPr/>
+        </p:nvCxnSpPr>
+        <p:spPr>
+          <a:xfrm>
+            <a:off x="4631796" y="4648200"/>
+            <a:ext cx="190500" cy="0"/>
+          </a:xfrm>
+          <a:prstGeom prst="straightConnector1">
+            <a:avLst/>
+          </a:prstGeom>
+          <a:ln>
+            <a:solidFill>
+              <a:schemeClr val="accent6"/>
+            </a:solidFill>
             <a:tailEnd type="triangle"/>
           </a:ln>
         </p:spPr>
@@ -3753,20 +4641,215 @@
       </p:cxnSp>
       <p:cxnSp>
         <p:nvCxnSpPr>
-          <p:cNvPr id="29" name="Elbow Connector 28"/>
+          <p:cNvPr id="200" name="Straight Connector 199"/>
           <p:cNvCxnSpPr/>
           <p:nvPr/>
         </p:nvCxnSpPr>
         <p:spPr>
           <a:xfrm>
-            <a:off x="5380321" y="2508251"/>
-            <a:ext cx="1987918" cy="12700"/>
-          </a:xfrm>
-          <a:prstGeom prst="bentConnector3">
-            <a:avLst/>
-          </a:prstGeom>
-          <a:ln w="28575">
-            <a:headEnd type="none"/>
+            <a:off x="3958433" y="914400"/>
+            <a:ext cx="749563" cy="0"/>
+          </a:xfrm>
+          <a:prstGeom prst="line">
+            <a:avLst/>
+          </a:prstGeom>
+          <a:ln w="44450"/>
+        </p:spPr>
+        <p:style>
+          <a:lnRef idx="1">
+            <a:schemeClr val="accent1"/>
+          </a:lnRef>
+          <a:fillRef idx="0">
+            <a:schemeClr val="accent1"/>
+          </a:fillRef>
+          <a:effectRef idx="0">
+            <a:schemeClr val="accent1"/>
+          </a:effectRef>
+          <a:fontRef idx="minor">
+            <a:schemeClr val="tx1"/>
+          </a:fontRef>
+        </p:style>
+      </p:cxnSp>
+      <p:sp>
+        <p:nvSpPr>
+          <p:cNvPr id="201" name="TextBox 200"/>
+          <p:cNvSpPr txBox="1"/>
+          <p:nvPr/>
+        </p:nvSpPr>
+        <p:spPr>
+          <a:xfrm>
+            <a:off x="3814745" y="606623"/>
+            <a:ext cx="1036938" cy="307777"/>
+          </a:xfrm>
+          <a:prstGeom prst="rect">
+            <a:avLst/>
+          </a:prstGeom>
+          <a:noFill/>
+        </p:spPr>
+        <p:txBody>
+          <a:bodyPr wrap="square" rtlCol="0" anchor="ctr">
+            <a:spAutoFit/>
+          </a:bodyPr>
+          <a:lstStyle/>
+          <a:p>
+            <a:pPr algn="ctr"/>
+            <a:r>
+              <a:rPr lang="en-US" sz="1400" dirty="0"/>
+              <a:t>Stage 4a</a:t>
+            </a:r>
+          </a:p>
+        </p:txBody>
+      </p:sp>
+      <p:sp>
+        <p:nvSpPr>
+          <p:cNvPr id="204" name="Rectangle 203"/>
+          <p:cNvSpPr/>
+          <p:nvPr/>
+        </p:nvSpPr>
+        <p:spPr>
+          <a:xfrm>
+            <a:off x="4829792" y="2667000"/>
+            <a:ext cx="719701" cy="1066800"/>
+          </a:xfrm>
+          <a:prstGeom prst="rect">
+            <a:avLst/>
+          </a:prstGeom>
+          <a:noFill/>
+        </p:spPr>
+        <p:style>
+          <a:lnRef idx="2">
+            <a:schemeClr val="accent1">
+              <a:shade val="50000"/>
+            </a:schemeClr>
+          </a:lnRef>
+          <a:fillRef idx="1">
+            <a:schemeClr val="accent1"/>
+          </a:fillRef>
+          <a:effectRef idx="0">
+            <a:schemeClr val="accent1"/>
+          </a:effectRef>
+          <a:fontRef idx="minor">
+            <a:schemeClr val="lt1"/>
+          </a:fontRef>
+        </p:style>
+        <p:txBody>
+          <a:bodyPr rtlCol="0" anchor="ctr"/>
+          <a:lstStyle/>
+          <a:p>
+            <a:pPr algn="ctr"/>
+            <a:r>
+              <a:rPr lang="en-US" sz="1050" dirty="0">
+                <a:solidFill>
+                  <a:schemeClr val="tx1"/>
+                </a:solidFill>
+              </a:rPr>
+              <a:t>Detect Stimulus</a:t>
+            </a:r>
+          </a:p>
+        </p:txBody>
+      </p:sp>
+      <p:cxnSp>
+        <p:nvCxnSpPr>
+          <p:cNvPr id="205" name="Straight Arrow Connector 204"/>
+          <p:cNvCxnSpPr/>
+          <p:nvPr/>
+        </p:nvCxnSpPr>
+        <p:spPr>
+          <a:xfrm>
+            <a:off x="5488224" y="3200400"/>
+            <a:ext cx="190500" cy="0"/>
+          </a:xfrm>
+          <a:prstGeom prst="straightConnector1">
+            <a:avLst/>
+          </a:prstGeom>
+          <a:ln>
+            <a:solidFill>
+              <a:schemeClr val="accent6"/>
+            </a:solidFill>
+            <a:tailEnd type="triangle"/>
+          </a:ln>
+        </p:spPr>
+        <p:style>
+          <a:lnRef idx="1">
+            <a:schemeClr val="accent1"/>
+          </a:lnRef>
+          <a:fillRef idx="0">
+            <a:schemeClr val="accent1"/>
+          </a:fillRef>
+          <a:effectRef idx="0">
+            <a:schemeClr val="accent1"/>
+          </a:effectRef>
+          <a:fontRef idx="minor">
+            <a:schemeClr val="tx1"/>
+          </a:fontRef>
+        </p:style>
+      </p:cxnSp>
+      <p:sp>
+        <p:nvSpPr>
+          <p:cNvPr id="206" name="Rectangle 205"/>
+          <p:cNvSpPr/>
+          <p:nvPr/>
+        </p:nvSpPr>
+        <p:spPr>
+          <a:xfrm>
+            <a:off x="4829792" y="4114800"/>
+            <a:ext cx="719701" cy="1066800"/>
+          </a:xfrm>
+          <a:prstGeom prst="rect">
+            <a:avLst/>
+          </a:prstGeom>
+          <a:noFill/>
+        </p:spPr>
+        <p:style>
+          <a:lnRef idx="2">
+            <a:schemeClr val="accent1">
+              <a:shade val="50000"/>
+            </a:schemeClr>
+          </a:lnRef>
+          <a:fillRef idx="1">
+            <a:schemeClr val="accent1"/>
+          </a:fillRef>
+          <a:effectRef idx="0">
+            <a:schemeClr val="accent1"/>
+          </a:effectRef>
+          <a:fontRef idx="minor">
+            <a:schemeClr val="lt1"/>
+          </a:fontRef>
+        </p:style>
+        <p:txBody>
+          <a:bodyPr rtlCol="0" anchor="ctr"/>
+          <a:lstStyle/>
+          <a:p>
+            <a:pPr algn="ctr"/>
+            <a:r>
+              <a:rPr lang="en-US" sz="1050" dirty="0">
+                <a:solidFill>
+                  <a:schemeClr val="tx1"/>
+                </a:solidFill>
+              </a:rPr>
+              <a:t>Detect Stimulus</a:t>
+            </a:r>
+          </a:p>
+        </p:txBody>
+      </p:sp>
+      <p:cxnSp>
+        <p:nvCxnSpPr>
+          <p:cNvPr id="207" name="Straight Arrow Connector 206"/>
+          <p:cNvCxnSpPr/>
+          <p:nvPr/>
+        </p:nvCxnSpPr>
+        <p:spPr>
+          <a:xfrm>
+            <a:off x="5488224" y="4648200"/>
+            <a:ext cx="190500" cy="0"/>
+          </a:xfrm>
+          <a:prstGeom prst="straightConnector1">
+            <a:avLst/>
+          </a:prstGeom>
+          <a:ln>
+            <a:solidFill>
+              <a:schemeClr val="accent6"/>
+            </a:solidFill>
             <a:tailEnd type="triangle"/>
           </a:ln>
         </p:spPr>
@@ -3787,25 +4870,19 @@
       </p:cxnSp>
       <p:cxnSp>
         <p:nvCxnSpPr>
-          <p:cNvPr id="31" name="Elbow Connector 30"/>
-          <p:cNvCxnSpPr>
-            <a:stCxn id="10" idx="2"/>
-            <a:endCxn id="11" idx="1"/>
-          </p:cNvCxnSpPr>
+          <p:cNvPr id="208" name="Straight Connector 207"/>
+          <p:cNvCxnSpPr/>
           <p:nvPr/>
         </p:nvCxnSpPr>
         <p:spPr>
-          <a:xfrm rot="16200000" flipH="1">
-            <a:off x="4201119" y="2446839"/>
-            <a:ext cx="755649" cy="1970672"/>
-          </a:xfrm>
-          <a:prstGeom prst="bentConnector2">
-            <a:avLst/>
-          </a:prstGeom>
-          <a:ln w="28575">
-            <a:headEnd type="none"/>
-            <a:tailEnd type="triangle"/>
-          </a:ln>
+          <a:xfrm>
+            <a:off x="4814861" y="914400"/>
+            <a:ext cx="749563" cy="0"/>
+          </a:xfrm>
+          <a:prstGeom prst="line">
+            <a:avLst/>
+          </a:prstGeom>
+          <a:ln w="44450"/>
         </p:spPr>
         <p:style>
           <a:lnRef idx="1">
@@ -3824,21 +4901,52 @@
       </p:cxnSp>
       <p:sp>
         <p:nvSpPr>
-          <p:cNvPr id="36" name="Rectangle 35"/>
+          <p:cNvPr id="209" name="TextBox 208"/>
+          <p:cNvSpPr txBox="1"/>
+          <p:nvPr/>
+        </p:nvSpPr>
+        <p:spPr>
+          <a:xfrm>
+            <a:off x="4671173" y="606623"/>
+            <a:ext cx="1036938" cy="307777"/>
+          </a:xfrm>
+          <a:prstGeom prst="rect">
+            <a:avLst/>
+          </a:prstGeom>
+          <a:noFill/>
+        </p:spPr>
+        <p:txBody>
+          <a:bodyPr wrap="square" rtlCol="0" anchor="ctr">
+            <a:spAutoFit/>
+          </a:bodyPr>
+          <a:lstStyle/>
+          <a:p>
+            <a:pPr algn="ctr"/>
+            <a:r>
+              <a:rPr lang="en-US" sz="1400" dirty="0"/>
+              <a:t>Stage 4b</a:t>
+            </a:r>
+          </a:p>
+        </p:txBody>
+      </p:sp>
+      <p:sp>
+        <p:nvSpPr>
+          <p:cNvPr id="210" name="Rectangle 209"/>
           <p:cNvSpPr/>
           <p:nvPr/>
         </p:nvSpPr>
         <p:spPr>
           <a:xfrm>
-            <a:off x="4632439" y="685801"/>
-            <a:ext cx="732121" cy="1066800"/>
+            <a:off x="5686220" y="1143000"/>
+            <a:ext cx="719701" cy="1066800"/>
           </a:xfrm>
           <a:prstGeom prst="rect">
             <a:avLst/>
           </a:prstGeom>
           <a:solidFill>
-            <a:schemeClr val="tx2">
-              <a:lumMod val="75000"/>
+            <a:schemeClr val="accent2">
+              <a:lumMod val="20000"/>
+              <a:lumOff val="80000"/>
             </a:schemeClr>
           </a:solidFill>
         </p:spPr>
@@ -3864,38 +4972,261 @@
           <a:p>
             <a:pPr algn="ctr"/>
             <a:r>
-              <a:rPr lang="en-US" sz="800" dirty="0" smtClean="0"/>
-              <a:t>Store Spike Waveforms</a:t>
-            </a:r>
-          </a:p>
-          <a:p>
-            <a:pPr algn="ctr"/>
-            <a:r>
-              <a:rPr lang="en-US" sz="800" dirty="0" smtClean="0"/>
-              <a:t>For Stimulus Triggered Waveforms</a:t>
+              <a:rPr lang="en-US" sz="1050" dirty="0">
+                <a:solidFill>
+                  <a:schemeClr val="tx1"/>
+                </a:solidFill>
+              </a:rPr>
+              <a:t>Store Reduced Data</a:t>
+            </a:r>
+            <a:br>
+              <a:rPr lang="en-US" sz="1050" dirty="0">
+                <a:solidFill>
+                  <a:schemeClr val="tx1"/>
+                </a:solidFill>
+              </a:rPr>
+            </a:br>
+            <a:r>
+              <a:rPr lang="en-US" sz="1050" dirty="0">
+                <a:solidFill>
+                  <a:schemeClr val="tx1"/>
+                </a:solidFill>
+              </a:rPr>
+              <a:t>(1)</a:t>
             </a:r>
           </a:p>
         </p:txBody>
       </p:sp>
       <p:cxnSp>
         <p:nvCxnSpPr>
-          <p:cNvPr id="39" name="Elbow Connector 38"/>
+          <p:cNvPr id="211" name="Straight Arrow Connector 210"/>
           <p:cNvCxnSpPr>
-            <a:stCxn id="10" idx="3"/>
-            <a:endCxn id="36" idx="1"/>
+            <a:endCxn id="226" idx="1"/>
           </p:cNvCxnSpPr>
           <p:nvPr/>
         </p:nvCxnSpPr>
         <p:spPr>
-          <a:xfrm flipV="1">
-            <a:off x="3959667" y="1219201"/>
-            <a:ext cx="672772" cy="1301750"/>
-          </a:xfrm>
-          <a:prstGeom prst="bentConnector3">
-            <a:avLst/>
-          </a:prstGeom>
-          <a:ln w="28575">
-            <a:headEnd type="none"/>
+          <a:xfrm>
+            <a:off x="6344652" y="1676400"/>
+            <a:ext cx="1054424" cy="0"/>
+          </a:xfrm>
+          <a:prstGeom prst="straightConnector1">
+            <a:avLst/>
+          </a:prstGeom>
+          <a:ln>
+            <a:solidFill>
+              <a:schemeClr val="accent6"/>
+            </a:solidFill>
+            <a:tailEnd type="triangle"/>
+          </a:ln>
+        </p:spPr>
+        <p:style>
+          <a:lnRef idx="1">
+            <a:schemeClr val="accent1"/>
+          </a:lnRef>
+          <a:fillRef idx="0">
+            <a:schemeClr val="accent1"/>
+          </a:fillRef>
+          <a:effectRef idx="0">
+            <a:schemeClr val="accent1"/>
+          </a:effectRef>
+          <a:fontRef idx="minor">
+            <a:schemeClr val="tx1"/>
+          </a:fontRef>
+        </p:style>
+      </p:cxnSp>
+      <p:sp>
+        <p:nvSpPr>
+          <p:cNvPr id="212" name="Rectangle 211"/>
+          <p:cNvSpPr/>
+          <p:nvPr/>
+        </p:nvSpPr>
+        <p:spPr>
+          <a:xfrm>
+            <a:off x="5686220" y="2667000"/>
+            <a:ext cx="719701" cy="1066800"/>
+          </a:xfrm>
+          <a:prstGeom prst="rect">
+            <a:avLst/>
+          </a:prstGeom>
+          <a:solidFill>
+            <a:schemeClr val="accent3">
+              <a:lumMod val="20000"/>
+              <a:lumOff val="80000"/>
+            </a:schemeClr>
+          </a:solidFill>
+        </p:spPr>
+        <p:style>
+          <a:lnRef idx="2">
+            <a:schemeClr val="accent1">
+              <a:shade val="50000"/>
+            </a:schemeClr>
+          </a:lnRef>
+          <a:fillRef idx="1">
+            <a:schemeClr val="accent1"/>
+          </a:fillRef>
+          <a:effectRef idx="0">
+            <a:schemeClr val="accent1"/>
+          </a:effectRef>
+          <a:fontRef idx="minor">
+            <a:schemeClr val="lt1"/>
+          </a:fontRef>
+        </p:style>
+        <p:txBody>
+          <a:bodyPr rtlCol="0" anchor="ctr"/>
+          <a:lstStyle/>
+          <a:p>
+            <a:pPr algn="ctr"/>
+            <a:r>
+              <a:rPr lang="en-US" sz="1050" dirty="0">
+                <a:solidFill>
+                  <a:schemeClr val="tx1"/>
+                </a:solidFill>
+              </a:rPr>
+              <a:t>Store Reduced Data</a:t>
+            </a:r>
+            <a:br>
+              <a:rPr lang="en-US" sz="1050" dirty="0">
+                <a:solidFill>
+                  <a:schemeClr val="tx1"/>
+                </a:solidFill>
+              </a:rPr>
+            </a:br>
+            <a:r>
+              <a:rPr lang="en-US" sz="1050" dirty="0">
+                <a:solidFill>
+                  <a:schemeClr val="tx1"/>
+                </a:solidFill>
+              </a:rPr>
+              <a:t>(2)</a:t>
+            </a:r>
+          </a:p>
+        </p:txBody>
+      </p:sp>
+      <p:cxnSp>
+        <p:nvCxnSpPr>
+          <p:cNvPr id="213" name="Straight Arrow Connector 212"/>
+          <p:cNvCxnSpPr>
+            <a:endCxn id="228" idx="1"/>
+          </p:cNvCxnSpPr>
+          <p:nvPr/>
+        </p:nvCxnSpPr>
+        <p:spPr>
+          <a:xfrm>
+            <a:off x="6344652" y="3200400"/>
+            <a:ext cx="1054424" cy="0"/>
+          </a:xfrm>
+          <a:prstGeom prst="straightConnector1">
+            <a:avLst/>
+          </a:prstGeom>
+          <a:ln>
+            <a:solidFill>
+              <a:schemeClr val="accent6"/>
+            </a:solidFill>
+            <a:tailEnd type="triangle"/>
+          </a:ln>
+        </p:spPr>
+        <p:style>
+          <a:lnRef idx="1">
+            <a:schemeClr val="accent1"/>
+          </a:lnRef>
+          <a:fillRef idx="0">
+            <a:schemeClr val="accent1"/>
+          </a:fillRef>
+          <a:effectRef idx="0">
+            <a:schemeClr val="accent1"/>
+          </a:effectRef>
+          <a:fontRef idx="minor">
+            <a:schemeClr val="tx1"/>
+          </a:fontRef>
+        </p:style>
+      </p:cxnSp>
+      <p:sp>
+        <p:nvSpPr>
+          <p:cNvPr id="214" name="Rectangle 213"/>
+          <p:cNvSpPr/>
+          <p:nvPr/>
+        </p:nvSpPr>
+        <p:spPr>
+          <a:xfrm>
+            <a:off x="5686220" y="4114800"/>
+            <a:ext cx="719701" cy="1066800"/>
+          </a:xfrm>
+          <a:prstGeom prst="rect">
+            <a:avLst/>
+          </a:prstGeom>
+          <a:solidFill>
+            <a:schemeClr val="accent1">
+              <a:lumMod val="20000"/>
+              <a:lumOff val="80000"/>
+            </a:schemeClr>
+          </a:solidFill>
+        </p:spPr>
+        <p:style>
+          <a:lnRef idx="2">
+            <a:schemeClr val="accent1">
+              <a:shade val="50000"/>
+            </a:schemeClr>
+          </a:lnRef>
+          <a:fillRef idx="1">
+            <a:schemeClr val="accent1"/>
+          </a:fillRef>
+          <a:effectRef idx="0">
+            <a:schemeClr val="accent1"/>
+          </a:effectRef>
+          <a:fontRef idx="minor">
+            <a:schemeClr val="lt1"/>
+          </a:fontRef>
+        </p:style>
+        <p:txBody>
+          <a:bodyPr rtlCol="0" anchor="ctr"/>
+          <a:lstStyle/>
+          <a:p>
+            <a:pPr algn="ctr"/>
+            <a:r>
+              <a:rPr lang="en-US" sz="1050" dirty="0">
+                <a:solidFill>
+                  <a:schemeClr val="tx1"/>
+                </a:solidFill>
+              </a:rPr>
+              <a:t>Store Reduced Data</a:t>
+            </a:r>
+            <a:br>
+              <a:rPr lang="en-US" sz="1050" dirty="0">
+                <a:solidFill>
+                  <a:schemeClr val="tx1"/>
+                </a:solidFill>
+              </a:rPr>
+            </a:br>
+            <a:r>
+              <a:rPr lang="en-US" sz="1050" dirty="0">
+                <a:solidFill>
+                  <a:schemeClr val="tx1"/>
+                </a:solidFill>
+              </a:rPr>
+              <a:t>(3)</a:t>
+            </a:r>
+          </a:p>
+        </p:txBody>
+      </p:sp>
+      <p:cxnSp>
+        <p:nvCxnSpPr>
+          <p:cNvPr id="215" name="Straight Arrow Connector 214"/>
+          <p:cNvCxnSpPr/>
+          <p:nvPr/>
+        </p:nvCxnSpPr>
+        <p:spPr>
+          <a:xfrm>
+            <a:off x="6344652" y="4648200"/>
+            <a:ext cx="190500" cy="0"/>
+          </a:xfrm>
+          <a:prstGeom prst="straightConnector1">
+            <a:avLst/>
+          </a:prstGeom>
+          <a:ln>
+            <a:solidFill>
+              <a:schemeClr val="accent6"/>
+            </a:solidFill>
             <a:tailEnd type="triangle"/>
           </a:ln>
         </p:spPr>
@@ -3916,25 +5247,19 @@
       </p:cxnSp>
       <p:cxnSp>
         <p:nvCxnSpPr>
-          <p:cNvPr id="41" name="Elbow Connector 40"/>
-          <p:cNvCxnSpPr>
-            <a:stCxn id="10" idx="3"/>
-            <a:endCxn id="6" idx="1"/>
-          </p:cNvCxnSpPr>
+          <p:cNvPr id="216" name="Straight Connector 215"/>
+          <p:cNvCxnSpPr/>
           <p:nvPr/>
         </p:nvCxnSpPr>
         <p:spPr>
-          <a:xfrm flipV="1">
-            <a:off x="3959667" y="2514601"/>
-            <a:ext cx="688533" cy="6350"/>
-          </a:xfrm>
-          <a:prstGeom prst="bentConnector3">
-            <a:avLst/>
-          </a:prstGeom>
-          <a:ln w="28575">
-            <a:headEnd type="none"/>
-            <a:tailEnd type="triangle"/>
-          </a:ln>
+          <a:xfrm>
+            <a:off x="5671289" y="914400"/>
+            <a:ext cx="749563" cy="0"/>
+          </a:xfrm>
+          <a:prstGeom prst="line">
+            <a:avLst/>
+          </a:prstGeom>
+          <a:ln w="44450"/>
         </p:spPr>
         <p:style>
           <a:lnRef idx="1">
@@ -3953,24 +5278,49 @@
       </p:cxnSp>
       <p:sp>
         <p:nvSpPr>
-          <p:cNvPr id="52" name="Oval 51"/>
+          <p:cNvPr id="217" name="TextBox 216"/>
+          <p:cNvSpPr txBox="1"/>
+          <p:nvPr/>
+        </p:nvSpPr>
+        <p:spPr>
+          <a:xfrm>
+            <a:off x="5527601" y="606623"/>
+            <a:ext cx="1036938" cy="307777"/>
+          </a:xfrm>
+          <a:prstGeom prst="rect">
+            <a:avLst/>
+          </a:prstGeom>
+          <a:noFill/>
+        </p:spPr>
+        <p:txBody>
+          <a:bodyPr wrap="square" rtlCol="0" anchor="ctr">
+            <a:spAutoFit/>
+          </a:bodyPr>
+          <a:lstStyle/>
+          <a:p>
+            <a:pPr algn="ctr"/>
+            <a:r>
+              <a:rPr lang="en-US" sz="1400" dirty="0"/>
+              <a:t>Stage 5a</a:t>
+            </a:r>
+          </a:p>
+        </p:txBody>
+      </p:sp>
+      <p:sp>
+        <p:nvSpPr>
+          <p:cNvPr id="222" name="Rectangle 221"/>
           <p:cNvSpPr/>
           <p:nvPr/>
         </p:nvSpPr>
         <p:spPr>
           <a:xfrm>
-            <a:off x="3567786" y="2829898"/>
-            <a:ext cx="702446" cy="381000"/>
-          </a:xfrm>
-          <a:prstGeom prst="ellipse">
-            <a:avLst/>
-          </a:prstGeom>
-          <a:solidFill>
-            <a:schemeClr val="accent1">
-              <a:lumMod val="60000"/>
-              <a:lumOff val="40000"/>
-            </a:schemeClr>
-          </a:solidFill>
+            <a:off x="6542648" y="4114800"/>
+            <a:ext cx="719701" cy="1066800"/>
+          </a:xfrm>
+          <a:prstGeom prst="rect">
+            <a:avLst/>
+          </a:prstGeom>
+          <a:noFill/>
         </p:spPr>
         <p:style>
           <a:lnRef idx="2">
@@ -3994,138 +5344,34 @@
           <a:p>
             <a:pPr algn="ctr"/>
             <a:r>
-              <a:rPr lang="en-US" sz="700" dirty="0" smtClean="0"/>
-              <a:t>Spike Array Offsets</a:t>
-            </a:r>
-            <a:endParaRPr lang="en-US" sz="700" dirty="0"/>
-          </a:p>
-        </p:txBody>
-      </p:sp>
-      <p:sp>
-        <p:nvSpPr>
-          <p:cNvPr id="53" name="Oval 52"/>
-          <p:cNvSpPr/>
-          <p:nvPr/>
-        </p:nvSpPr>
-        <p:spPr>
-          <a:xfrm>
-            <a:off x="6129873" y="3238500"/>
-            <a:ext cx="702446" cy="381000"/>
-          </a:xfrm>
-          <a:prstGeom prst="ellipse">
-            <a:avLst/>
-          </a:prstGeom>
-          <a:solidFill>
-            <a:schemeClr val="accent1">
-              <a:lumMod val="60000"/>
-              <a:lumOff val="40000"/>
-            </a:schemeClr>
-          </a:solidFill>
-        </p:spPr>
-        <p:style>
-          <a:lnRef idx="2">
-            <a:schemeClr val="accent1">
-              <a:shade val="50000"/>
-            </a:schemeClr>
-          </a:lnRef>
-          <a:fillRef idx="1">
-            <a:schemeClr val="accent1"/>
-          </a:fillRef>
-          <a:effectRef idx="0">
-            <a:schemeClr val="accent1"/>
-          </a:effectRef>
-          <a:fontRef idx="minor">
-            <a:schemeClr val="lt1"/>
-          </a:fontRef>
-        </p:style>
-        <p:txBody>
-          <a:bodyPr rtlCol="0" anchor="ctr"/>
-          <a:lstStyle/>
-          <a:p>
-            <a:pPr algn="ctr"/>
-            <a:r>
-              <a:rPr lang="en-US" sz="700" dirty="0" smtClean="0"/>
-              <a:t>Spike Array Offsets</a:t>
-            </a:r>
-            <a:endParaRPr lang="en-US" sz="700" dirty="0"/>
-          </a:p>
-        </p:txBody>
-      </p:sp>
-      <p:sp>
-        <p:nvSpPr>
-          <p:cNvPr id="54" name="Oval 53"/>
-          <p:cNvSpPr/>
-          <p:nvPr/>
-        </p:nvSpPr>
-        <p:spPr>
-          <a:xfrm>
-            <a:off x="6698130" y="4038600"/>
-            <a:ext cx="1000500" cy="419100"/>
-          </a:xfrm>
-          <a:prstGeom prst="ellipse">
-            <a:avLst/>
-          </a:prstGeom>
-          <a:solidFill>
-            <a:schemeClr val="accent1">
-              <a:lumMod val="60000"/>
-              <a:lumOff val="40000"/>
-            </a:schemeClr>
-          </a:solidFill>
-        </p:spPr>
-        <p:style>
-          <a:lnRef idx="2">
-            <a:schemeClr val="accent1">
-              <a:shade val="50000"/>
-            </a:schemeClr>
-          </a:lnRef>
-          <a:fillRef idx="1">
-            <a:schemeClr val="accent1"/>
-          </a:fillRef>
-          <a:effectRef idx="0">
-            <a:schemeClr val="accent1"/>
-          </a:effectRef>
-          <a:fontRef idx="minor">
-            <a:schemeClr val="lt1"/>
-          </a:fontRef>
-        </p:style>
-        <p:txBody>
-          <a:bodyPr rtlCol="0" anchor="ctr"/>
-          <a:lstStyle/>
-          <a:p>
-            <a:pPr algn="ctr"/>
-            <a:r>
-              <a:rPr lang="en-US" sz="700" dirty="0" err="1" smtClean="0"/>
-              <a:t>Peristimulus</a:t>
-            </a:r>
-            <a:r>
-              <a:rPr lang="en-US" sz="700" dirty="0" smtClean="0"/>
-              <a:t> Spike Array Offsets</a:t>
-            </a:r>
-            <a:endParaRPr lang="en-US" sz="700" dirty="0"/>
+              <a:rPr lang="en-US" sz="1050" dirty="0">
+                <a:solidFill>
+                  <a:schemeClr val="tx1"/>
+                </a:solidFill>
+              </a:rPr>
+              <a:t>Associate Spikes to Stimuli</a:t>
+            </a:r>
           </a:p>
         </p:txBody>
       </p:sp>
       <p:cxnSp>
         <p:nvCxnSpPr>
-          <p:cNvPr id="55" name="Elbow Connector 54"/>
-          <p:cNvCxnSpPr>
-            <a:stCxn id="11" idx="3"/>
-            <a:endCxn id="7" idx="1"/>
-          </p:cNvCxnSpPr>
+          <p:cNvPr id="223" name="Straight Arrow Connector 222"/>
+          <p:cNvCxnSpPr/>
           <p:nvPr/>
         </p:nvCxnSpPr>
         <p:spPr>
           <a:xfrm>
-            <a:off x="6296400" y="3810000"/>
-            <a:ext cx="169859" cy="12700"/>
-          </a:xfrm>
-          <a:prstGeom prst="bentConnector3">
-            <a:avLst>
-              <a:gd name="adj1" fmla="val 50000"/>
-            </a:avLst>
-          </a:prstGeom>
-          <a:ln w="28575">
-            <a:headEnd type="none"/>
+            <a:off x="7201080" y="4648200"/>
+            <a:ext cx="190500" cy="0"/>
+          </a:xfrm>
+          <a:prstGeom prst="straightConnector1">
+            <a:avLst/>
+          </a:prstGeom>
+          <a:ln>
+            <a:solidFill>
+              <a:schemeClr val="accent6"/>
+            </a:solidFill>
             <a:tailEnd type="triangle"/>
           </a:ln>
         </p:spPr>
@@ -4146,25 +5392,314 @@
       </p:cxnSp>
       <p:cxnSp>
         <p:nvCxnSpPr>
-          <p:cNvPr id="59" name="Elbow Connector 58"/>
-          <p:cNvCxnSpPr>
-            <a:stCxn id="7" idx="3"/>
-            <a:endCxn id="19" idx="1"/>
-          </p:cNvCxnSpPr>
+          <p:cNvPr id="224" name="Straight Connector 223"/>
+          <p:cNvCxnSpPr/>
           <p:nvPr/>
         </p:nvCxnSpPr>
         <p:spPr>
           <a:xfrm>
-            <a:off x="7198380" y="3810000"/>
-            <a:ext cx="141660" cy="12700"/>
-          </a:xfrm>
-          <a:prstGeom prst="bentConnector3">
-            <a:avLst>
-              <a:gd name="adj1" fmla="val 50000"/>
-            </a:avLst>
-          </a:prstGeom>
-          <a:ln w="28575">
-            <a:headEnd type="none"/>
+            <a:off x="6527717" y="914400"/>
+            <a:ext cx="749563" cy="0"/>
+          </a:xfrm>
+          <a:prstGeom prst="line">
+            <a:avLst/>
+          </a:prstGeom>
+          <a:ln w="44450"/>
+        </p:spPr>
+        <p:style>
+          <a:lnRef idx="1">
+            <a:schemeClr val="accent1"/>
+          </a:lnRef>
+          <a:fillRef idx="0">
+            <a:schemeClr val="accent1"/>
+          </a:fillRef>
+          <a:effectRef idx="0">
+            <a:schemeClr val="accent1"/>
+          </a:effectRef>
+          <a:fontRef idx="minor">
+            <a:schemeClr val="tx1"/>
+          </a:fontRef>
+        </p:style>
+      </p:cxnSp>
+      <p:sp>
+        <p:nvSpPr>
+          <p:cNvPr id="225" name="TextBox 224"/>
+          <p:cNvSpPr txBox="1"/>
+          <p:nvPr/>
+        </p:nvSpPr>
+        <p:spPr>
+          <a:xfrm>
+            <a:off x="6384029" y="606623"/>
+            <a:ext cx="1036938" cy="307777"/>
+          </a:xfrm>
+          <a:prstGeom prst="rect">
+            <a:avLst/>
+          </a:prstGeom>
+          <a:noFill/>
+        </p:spPr>
+        <p:txBody>
+          <a:bodyPr wrap="square" rtlCol="0" anchor="ctr">
+            <a:spAutoFit/>
+          </a:bodyPr>
+          <a:lstStyle/>
+          <a:p>
+            <a:pPr algn="ctr"/>
+            <a:r>
+              <a:rPr lang="en-US" sz="1400" dirty="0"/>
+              <a:t>Stage 5b</a:t>
+            </a:r>
+          </a:p>
+        </p:txBody>
+      </p:sp>
+      <p:sp>
+        <p:nvSpPr>
+          <p:cNvPr id="226" name="Rectangle 225"/>
+          <p:cNvSpPr/>
+          <p:nvPr/>
+        </p:nvSpPr>
+        <p:spPr>
+          <a:xfrm>
+            <a:off x="7399076" y="1143000"/>
+            <a:ext cx="719701" cy="1066800"/>
+          </a:xfrm>
+          <a:prstGeom prst="rect">
+            <a:avLst/>
+          </a:prstGeom>
+          <a:solidFill>
+            <a:schemeClr val="accent2">
+              <a:lumMod val="20000"/>
+              <a:lumOff val="80000"/>
+            </a:schemeClr>
+          </a:solidFill>
+        </p:spPr>
+        <p:style>
+          <a:lnRef idx="2">
+            <a:schemeClr val="accent1">
+              <a:shade val="50000"/>
+            </a:schemeClr>
+          </a:lnRef>
+          <a:fillRef idx="1">
+            <a:schemeClr val="accent1"/>
+          </a:fillRef>
+          <a:effectRef idx="0">
+            <a:schemeClr val="accent1"/>
+          </a:effectRef>
+          <a:fontRef idx="minor">
+            <a:schemeClr val="lt1"/>
+          </a:fontRef>
+        </p:style>
+        <p:txBody>
+          <a:bodyPr rtlCol="0" anchor="ctr"/>
+          <a:lstStyle/>
+          <a:p>
+            <a:pPr algn="ctr"/>
+            <a:r>
+              <a:rPr lang="en-US" sz="1050" dirty="0">
+                <a:solidFill>
+                  <a:schemeClr val="tx1"/>
+                </a:solidFill>
+              </a:rPr>
+              <a:t>Update Wave-form Plot</a:t>
+            </a:r>
+          </a:p>
+        </p:txBody>
+      </p:sp>
+      <p:cxnSp>
+        <p:nvCxnSpPr>
+          <p:cNvPr id="227" name="Straight Arrow Connector 226"/>
+          <p:cNvCxnSpPr/>
+          <p:nvPr/>
+        </p:nvCxnSpPr>
+        <p:spPr>
+          <a:xfrm>
+            <a:off x="8057508" y="1676400"/>
+            <a:ext cx="190500" cy="0"/>
+          </a:xfrm>
+          <a:prstGeom prst="straightConnector1">
+            <a:avLst/>
+          </a:prstGeom>
+          <a:ln>
+            <a:solidFill>
+              <a:schemeClr val="accent6"/>
+            </a:solidFill>
+            <a:tailEnd type="triangle"/>
+          </a:ln>
+        </p:spPr>
+        <p:style>
+          <a:lnRef idx="1">
+            <a:schemeClr val="accent1"/>
+          </a:lnRef>
+          <a:fillRef idx="0">
+            <a:schemeClr val="accent1"/>
+          </a:fillRef>
+          <a:effectRef idx="0">
+            <a:schemeClr val="accent1"/>
+          </a:effectRef>
+          <a:fontRef idx="minor">
+            <a:schemeClr val="tx1"/>
+          </a:fontRef>
+        </p:style>
+      </p:cxnSp>
+      <p:sp>
+        <p:nvSpPr>
+          <p:cNvPr id="228" name="Rectangle 227"/>
+          <p:cNvSpPr/>
+          <p:nvPr/>
+        </p:nvSpPr>
+        <p:spPr>
+          <a:xfrm>
+            <a:off x="7399076" y="2667000"/>
+            <a:ext cx="719701" cy="1066800"/>
+          </a:xfrm>
+          <a:prstGeom prst="rect">
+            <a:avLst/>
+          </a:prstGeom>
+          <a:solidFill>
+            <a:schemeClr val="accent2">
+              <a:lumMod val="20000"/>
+              <a:lumOff val="80000"/>
+            </a:schemeClr>
+          </a:solidFill>
+        </p:spPr>
+        <p:style>
+          <a:lnRef idx="2">
+            <a:schemeClr val="accent1">
+              <a:shade val="50000"/>
+            </a:schemeClr>
+          </a:lnRef>
+          <a:fillRef idx="1">
+            <a:schemeClr val="accent1"/>
+          </a:fillRef>
+          <a:effectRef idx="0">
+            <a:schemeClr val="accent1"/>
+          </a:effectRef>
+          <a:fontRef idx="minor">
+            <a:schemeClr val="lt1"/>
+          </a:fontRef>
+        </p:style>
+        <p:txBody>
+          <a:bodyPr rtlCol="0" anchor="ctr"/>
+          <a:lstStyle/>
+          <a:p>
+            <a:pPr algn="ctr"/>
+            <a:r>
+              <a:rPr lang="en-US" sz="1050" dirty="0">
+                <a:solidFill>
+                  <a:schemeClr val="tx1"/>
+                </a:solidFill>
+              </a:rPr>
+              <a:t>Update Wave-form Plot</a:t>
+            </a:r>
+          </a:p>
+        </p:txBody>
+      </p:sp>
+      <p:cxnSp>
+        <p:nvCxnSpPr>
+          <p:cNvPr id="229" name="Straight Arrow Connector 228"/>
+          <p:cNvCxnSpPr/>
+          <p:nvPr/>
+        </p:nvCxnSpPr>
+        <p:spPr>
+          <a:xfrm>
+            <a:off x="8057508" y="3200400"/>
+            <a:ext cx="190500" cy="0"/>
+          </a:xfrm>
+          <a:prstGeom prst="straightConnector1">
+            <a:avLst/>
+          </a:prstGeom>
+          <a:ln>
+            <a:solidFill>
+              <a:schemeClr val="accent6"/>
+            </a:solidFill>
+            <a:tailEnd type="triangle"/>
+          </a:ln>
+        </p:spPr>
+        <p:style>
+          <a:lnRef idx="1">
+            <a:schemeClr val="accent1"/>
+          </a:lnRef>
+          <a:fillRef idx="0">
+            <a:schemeClr val="accent1"/>
+          </a:fillRef>
+          <a:effectRef idx="0">
+            <a:schemeClr val="accent1"/>
+          </a:effectRef>
+          <a:fontRef idx="minor">
+            <a:schemeClr val="tx1"/>
+          </a:fontRef>
+        </p:style>
+      </p:cxnSp>
+      <p:sp>
+        <p:nvSpPr>
+          <p:cNvPr id="230" name="Rectangle 229"/>
+          <p:cNvSpPr/>
+          <p:nvPr/>
+        </p:nvSpPr>
+        <p:spPr>
+          <a:xfrm>
+            <a:off x="7399076" y="4114800"/>
+            <a:ext cx="719701" cy="1066800"/>
+          </a:xfrm>
+          <a:prstGeom prst="rect">
+            <a:avLst/>
+          </a:prstGeom>
+          <a:solidFill>
+            <a:schemeClr val="accent3">
+              <a:lumMod val="20000"/>
+              <a:lumOff val="80000"/>
+            </a:schemeClr>
+          </a:solidFill>
+        </p:spPr>
+        <p:style>
+          <a:lnRef idx="2">
+            <a:schemeClr val="accent1">
+              <a:shade val="50000"/>
+            </a:schemeClr>
+          </a:lnRef>
+          <a:fillRef idx="1">
+            <a:schemeClr val="accent1"/>
+          </a:fillRef>
+          <a:effectRef idx="0">
+            <a:schemeClr val="accent1"/>
+          </a:effectRef>
+          <a:fontRef idx="minor">
+            <a:schemeClr val="lt1"/>
+          </a:fontRef>
+        </p:style>
+        <p:txBody>
+          <a:bodyPr rtlCol="0" anchor="ctr"/>
+          <a:lstStyle/>
+          <a:p>
+            <a:pPr algn="ctr"/>
+            <a:r>
+              <a:rPr lang="en-US" sz="1050" dirty="0">
+                <a:solidFill>
+                  <a:schemeClr val="tx1"/>
+                </a:solidFill>
+              </a:rPr>
+              <a:t>Update Raster Plot</a:t>
+            </a:r>
+          </a:p>
+        </p:txBody>
+      </p:sp>
+      <p:cxnSp>
+        <p:nvCxnSpPr>
+          <p:cNvPr id="231" name="Straight Arrow Connector 230"/>
+          <p:cNvCxnSpPr/>
+          <p:nvPr/>
+        </p:nvCxnSpPr>
+        <p:spPr>
+          <a:xfrm>
+            <a:off x="8057508" y="4648200"/>
+            <a:ext cx="190500" cy="0"/>
+          </a:xfrm>
+          <a:prstGeom prst="straightConnector1">
+            <a:avLst/>
+          </a:prstGeom>
+          <a:ln>
+            <a:solidFill>
+              <a:schemeClr val="accent6"/>
+            </a:solidFill>
             <a:tailEnd type="triangle"/>
           </a:ln>
         </p:spPr>
@@ -4185,27 +5720,19 @@
       </p:cxnSp>
       <p:cxnSp>
         <p:nvCxnSpPr>
-          <p:cNvPr id="62" name="Elbow Connector 61"/>
-          <p:cNvCxnSpPr>
-            <a:stCxn id="12" idx="3"/>
-            <a:endCxn id="8" idx="1"/>
-          </p:cNvCxnSpPr>
+          <p:cNvPr id="232" name="Straight Connector 231"/>
+          <p:cNvCxnSpPr/>
           <p:nvPr/>
         </p:nvCxnSpPr>
         <p:spPr>
           <a:xfrm>
-            <a:off x="8100360" y="2514601"/>
-            <a:ext cx="169859" cy="12700"/>
-          </a:xfrm>
-          <a:prstGeom prst="bentConnector3">
-            <a:avLst>
-              <a:gd name="adj1" fmla="val 50000"/>
-            </a:avLst>
-          </a:prstGeom>
-          <a:ln w="28575">
-            <a:headEnd type="none"/>
-            <a:tailEnd type="triangle"/>
-          </a:ln>
+            <a:off x="7384145" y="914400"/>
+            <a:ext cx="749563" cy="0"/>
+          </a:xfrm>
+          <a:prstGeom prst="line">
+            <a:avLst/>
+          </a:prstGeom>
+          <a:ln w="44450"/>
         </p:spPr>
         <p:style>
           <a:lnRef idx="1">
@@ -4222,29 +5749,195 @@
           </a:fontRef>
         </p:style>
       </p:cxnSp>
+      <p:sp>
+        <p:nvSpPr>
+          <p:cNvPr id="233" name="TextBox 232"/>
+          <p:cNvSpPr txBox="1"/>
+          <p:nvPr/>
+        </p:nvSpPr>
+        <p:spPr>
+          <a:xfrm>
+            <a:off x="7240457" y="606623"/>
+            <a:ext cx="1036938" cy="307777"/>
+          </a:xfrm>
+          <a:prstGeom prst="rect">
+            <a:avLst/>
+          </a:prstGeom>
+          <a:noFill/>
+        </p:spPr>
+        <p:txBody>
+          <a:bodyPr wrap="square" rtlCol="0" anchor="ctr">
+            <a:spAutoFit/>
+          </a:bodyPr>
+          <a:lstStyle/>
+          <a:p>
+            <a:pPr algn="ctr"/>
+            <a:r>
+              <a:rPr lang="en-US" sz="1400" dirty="0"/>
+              <a:t>Stage 6</a:t>
+            </a:r>
+          </a:p>
+        </p:txBody>
+      </p:sp>
+      <p:sp>
+        <p:nvSpPr>
+          <p:cNvPr id="234" name="Rectangle 233"/>
+          <p:cNvSpPr/>
+          <p:nvPr/>
+        </p:nvSpPr>
+        <p:spPr>
+          <a:xfrm>
+            <a:off x="8255504" y="1143000"/>
+            <a:ext cx="719701" cy="1066800"/>
+          </a:xfrm>
+          <a:prstGeom prst="rect">
+            <a:avLst/>
+          </a:prstGeom>
+          <a:noFill/>
+        </p:spPr>
+        <p:style>
+          <a:lnRef idx="2">
+            <a:schemeClr val="accent1">
+              <a:shade val="50000"/>
+            </a:schemeClr>
+          </a:lnRef>
+          <a:fillRef idx="1">
+            <a:schemeClr val="accent1"/>
+          </a:fillRef>
+          <a:effectRef idx="0">
+            <a:schemeClr val="accent1"/>
+          </a:effectRef>
+          <a:fontRef idx="minor">
+            <a:schemeClr val="lt1"/>
+          </a:fontRef>
+        </p:style>
+        <p:txBody>
+          <a:bodyPr rtlCol="0" anchor="ctr"/>
+          <a:lstStyle/>
+          <a:p>
+            <a:pPr algn="ctr"/>
+            <a:r>
+              <a:rPr lang="en-US" sz="1050" dirty="0">
+                <a:solidFill>
+                  <a:schemeClr val="tx1"/>
+                </a:solidFill>
+              </a:rPr>
+              <a:t>Update Baseline Stats</a:t>
+            </a:r>
+          </a:p>
+        </p:txBody>
+      </p:sp>
+      <p:sp>
+        <p:nvSpPr>
+          <p:cNvPr id="236" name="Rectangle 235"/>
+          <p:cNvSpPr/>
+          <p:nvPr/>
+        </p:nvSpPr>
+        <p:spPr>
+          <a:xfrm>
+            <a:off x="8255504" y="2667000"/>
+            <a:ext cx="719701" cy="1066800"/>
+          </a:xfrm>
+          <a:prstGeom prst="rect">
+            <a:avLst/>
+          </a:prstGeom>
+          <a:noFill/>
+        </p:spPr>
+        <p:style>
+          <a:lnRef idx="2">
+            <a:schemeClr val="accent1">
+              <a:shade val="50000"/>
+            </a:schemeClr>
+          </a:lnRef>
+          <a:fillRef idx="1">
+            <a:schemeClr val="accent1"/>
+          </a:fillRef>
+          <a:effectRef idx="0">
+            <a:schemeClr val="accent1"/>
+          </a:effectRef>
+          <a:fontRef idx="minor">
+            <a:schemeClr val="lt1"/>
+          </a:fontRef>
+        </p:style>
+        <p:txBody>
+          <a:bodyPr rtlCol="0" anchor="ctr"/>
+          <a:lstStyle/>
+          <a:p>
+            <a:pPr algn="ctr"/>
+            <a:r>
+              <a:rPr lang="en-US" sz="1050" dirty="0">
+                <a:solidFill>
+                  <a:schemeClr val="tx1"/>
+                </a:solidFill>
+              </a:rPr>
+              <a:t>Update Baseline Stats</a:t>
+            </a:r>
+          </a:p>
+        </p:txBody>
+      </p:sp>
+      <p:sp>
+        <p:nvSpPr>
+          <p:cNvPr id="238" name="Rectangle 237"/>
+          <p:cNvSpPr/>
+          <p:nvPr/>
+        </p:nvSpPr>
+        <p:spPr>
+          <a:xfrm>
+            <a:off x="8255504" y="4114800"/>
+            <a:ext cx="719701" cy="1066800"/>
+          </a:xfrm>
+          <a:prstGeom prst="rect">
+            <a:avLst/>
+          </a:prstGeom>
+          <a:noFill/>
+        </p:spPr>
+        <p:style>
+          <a:lnRef idx="2">
+            <a:schemeClr val="accent1">
+              <a:shade val="50000"/>
+            </a:schemeClr>
+          </a:lnRef>
+          <a:fillRef idx="1">
+            <a:schemeClr val="accent1"/>
+          </a:fillRef>
+          <a:effectRef idx="0">
+            <a:schemeClr val="accent1"/>
+          </a:effectRef>
+          <a:fontRef idx="minor">
+            <a:schemeClr val="lt1"/>
+          </a:fontRef>
+        </p:style>
+        <p:txBody>
+          <a:bodyPr rtlCol="0" anchor="ctr"/>
+          <a:lstStyle/>
+          <a:p>
+            <a:pPr algn="ctr"/>
+            <a:r>
+              <a:rPr lang="en-US" sz="1050" dirty="0">
+                <a:solidFill>
+                  <a:schemeClr val="tx1"/>
+                </a:solidFill>
+              </a:rPr>
+              <a:t>Update Baseline Stats</a:t>
+            </a:r>
+          </a:p>
+        </p:txBody>
+      </p:sp>
       <p:cxnSp>
         <p:nvCxnSpPr>
-          <p:cNvPr id="68" name="Elbow Connector 67"/>
-          <p:cNvCxnSpPr>
-            <a:stCxn id="9" idx="3"/>
-            <a:endCxn id="5" idx="1"/>
-          </p:cNvCxnSpPr>
+          <p:cNvPr id="240" name="Straight Connector 239"/>
+          <p:cNvCxnSpPr/>
           <p:nvPr/>
         </p:nvCxnSpPr>
         <p:spPr>
           <a:xfrm>
-            <a:off x="1506541" y="2514601"/>
-            <a:ext cx="169860" cy="12700"/>
-          </a:xfrm>
-          <a:prstGeom prst="bentConnector3">
-            <a:avLst>
-              <a:gd name="adj1" fmla="val 50000"/>
-            </a:avLst>
-          </a:prstGeom>
-          <a:ln w="28575">
-            <a:headEnd type="none"/>
-            <a:tailEnd type="triangle"/>
-          </a:ln>
+            <a:off x="8240573" y="914400"/>
+            <a:ext cx="749563" cy="0"/>
+          </a:xfrm>
+          <a:prstGeom prst="line">
+            <a:avLst/>
+          </a:prstGeom>
+          <a:ln w="44450"/>
         </p:spPr>
         <p:style>
           <a:lnRef idx="1">
@@ -4261,29 +5954,51 @@
           </a:fontRef>
         </p:style>
       </p:cxnSp>
+      <p:sp>
+        <p:nvSpPr>
+          <p:cNvPr id="241" name="TextBox 240"/>
+          <p:cNvSpPr txBox="1"/>
+          <p:nvPr/>
+        </p:nvSpPr>
+        <p:spPr>
+          <a:xfrm>
+            <a:off x="8096885" y="606623"/>
+            <a:ext cx="1036938" cy="307777"/>
+          </a:xfrm>
+          <a:prstGeom prst="rect">
+            <a:avLst/>
+          </a:prstGeom>
+          <a:noFill/>
+        </p:spPr>
+        <p:txBody>
+          <a:bodyPr wrap="square" rtlCol="0" anchor="ctr">
+            <a:spAutoFit/>
+          </a:bodyPr>
+          <a:lstStyle/>
+          <a:p>
+            <a:pPr algn="ctr"/>
+            <a:r>
+              <a:rPr lang="en-US" sz="1400" dirty="0"/>
+              <a:t>Stage 7</a:t>
+            </a:r>
+          </a:p>
+        </p:txBody>
+      </p:sp>
       <p:cxnSp>
         <p:nvCxnSpPr>
-          <p:cNvPr id="71" name="Elbow Connector 70"/>
-          <p:cNvCxnSpPr>
-            <a:stCxn id="4" idx="3"/>
-            <a:endCxn id="9" idx="1"/>
-          </p:cNvCxnSpPr>
+          <p:cNvPr id="246" name="Straight Connector 245"/>
+          <p:cNvCxnSpPr/>
           <p:nvPr/>
         </p:nvCxnSpPr>
         <p:spPr>
           <a:xfrm>
-            <a:off x="604561" y="2514601"/>
-            <a:ext cx="182279" cy="12700"/>
-          </a:xfrm>
-          <a:prstGeom prst="bentConnector3">
-            <a:avLst>
-              <a:gd name="adj1" fmla="val 50000"/>
-            </a:avLst>
-          </a:prstGeom>
-          <a:ln w="28575">
-            <a:headEnd type="none"/>
-            <a:tailEnd type="triangle"/>
-          </a:ln>
+            <a:off x="3958433" y="512794"/>
+            <a:ext cx="1591060" cy="0"/>
+          </a:xfrm>
+          <a:prstGeom prst="line">
+            <a:avLst/>
+          </a:prstGeom>
+          <a:ln w="44450"/>
         </p:spPr>
         <p:style>
           <a:lnRef idx="1">
@@ -4302,14 +6017,14 @@
       </p:cxnSp>
       <p:sp>
         <p:nvSpPr>
-          <p:cNvPr id="81" name="TextBox 80"/>
+          <p:cNvPr id="247" name="TextBox 246"/>
           <p:cNvSpPr txBox="1"/>
           <p:nvPr/>
         </p:nvSpPr>
         <p:spPr>
           <a:xfrm>
-            <a:off x="101040" y="304800"/>
-            <a:ext cx="1829412" cy="369332"/>
+            <a:off x="3821706" y="189720"/>
+            <a:ext cx="1864514" cy="307777"/>
           </a:xfrm>
           <a:prstGeom prst="rect">
             <a:avLst/>
@@ -4317,23 +6032,460 @@
           <a:noFill/>
         </p:spPr>
         <p:txBody>
-          <a:bodyPr wrap="none" rtlCol="0">
+          <a:bodyPr wrap="square" rtlCol="0" anchor="ctr">
             <a:spAutoFit/>
           </a:bodyPr>
           <a:lstStyle/>
           <a:p>
-            <a:r>
-              <a:rPr lang="en-US" smtClean="0"/>
-              <a:t>TimerCallBackFcn</a:t>
-            </a:r>
-            <a:endParaRPr lang="en-US"/>
-          </a:p>
-        </p:txBody>
-      </p:sp>
+            <a:pPr algn="ctr"/>
+            <a:r>
+              <a:rPr lang="en-US" sz="1400" dirty="0"/>
+              <a:t>Detect Spikes &amp; Stim</a:t>
+            </a:r>
+          </a:p>
+        </p:txBody>
+      </p:sp>
+      <p:cxnSp>
+        <p:nvCxnSpPr>
+          <p:cNvPr id="249" name="Straight Connector 248"/>
+          <p:cNvCxnSpPr/>
+          <p:nvPr/>
+        </p:nvCxnSpPr>
+        <p:spPr>
+          <a:xfrm>
+            <a:off x="5671289" y="512794"/>
+            <a:ext cx="1591060" cy="0"/>
+          </a:xfrm>
+          <a:prstGeom prst="line">
+            <a:avLst/>
+          </a:prstGeom>
+          <a:ln w="44450"/>
+        </p:spPr>
+        <p:style>
+          <a:lnRef idx="1">
+            <a:schemeClr val="accent1"/>
+          </a:lnRef>
+          <a:fillRef idx="0">
+            <a:schemeClr val="accent1"/>
+          </a:fillRef>
+          <a:effectRef idx="0">
+            <a:schemeClr val="accent1"/>
+          </a:effectRef>
+          <a:fontRef idx="minor">
+            <a:schemeClr val="tx1"/>
+          </a:fontRef>
+        </p:style>
+      </p:cxnSp>
+      <p:sp>
+        <p:nvSpPr>
+          <p:cNvPr id="250" name="TextBox 249"/>
+          <p:cNvSpPr txBox="1"/>
+          <p:nvPr/>
+        </p:nvSpPr>
+        <p:spPr>
+          <a:xfrm>
+            <a:off x="5507645" y="189720"/>
+            <a:ext cx="1864514" cy="307777"/>
+          </a:xfrm>
+          <a:prstGeom prst="rect">
+            <a:avLst/>
+          </a:prstGeom>
+          <a:noFill/>
+        </p:spPr>
+        <p:txBody>
+          <a:bodyPr wrap="square" rtlCol="0" anchor="ctr">
+            <a:spAutoFit/>
+          </a:bodyPr>
+          <a:lstStyle/>
+          <a:p>
+            <a:pPr algn="ctr"/>
+            <a:r>
+              <a:rPr lang="en-US" sz="1400" dirty="0"/>
+              <a:t>Data Reduction</a:t>
+            </a:r>
+          </a:p>
+        </p:txBody>
+      </p:sp>
+      <p:sp>
+        <p:nvSpPr>
+          <p:cNvPr id="251" name="Rectangle 250"/>
+          <p:cNvSpPr/>
+          <p:nvPr/>
+        </p:nvSpPr>
+        <p:spPr>
+          <a:xfrm>
+            <a:off x="977356" y="5646761"/>
+            <a:ext cx="223030" cy="330592"/>
+          </a:xfrm>
+          <a:prstGeom prst="rect">
+            <a:avLst/>
+          </a:prstGeom>
+          <a:noFill/>
+        </p:spPr>
+        <p:style>
+          <a:lnRef idx="2">
+            <a:schemeClr val="accent1">
+              <a:shade val="50000"/>
+            </a:schemeClr>
+          </a:lnRef>
+          <a:fillRef idx="1">
+            <a:schemeClr val="accent1"/>
+          </a:fillRef>
+          <a:effectRef idx="0">
+            <a:schemeClr val="accent1"/>
+          </a:effectRef>
+          <a:fontRef idx="minor">
+            <a:schemeClr val="lt1"/>
+          </a:fontRef>
+        </p:style>
+        <p:txBody>
+          <a:bodyPr rtlCol="0" anchor="ctr"/>
+          <a:lstStyle/>
+          <a:p>
+            <a:pPr algn="ctr"/>
+            <a:endParaRPr lang="en-US" sz="1050" dirty="0">
+              <a:solidFill>
+                <a:schemeClr val="tx1"/>
+              </a:solidFill>
+            </a:endParaRPr>
+          </a:p>
+        </p:txBody>
+      </p:sp>
+      <p:sp>
+        <p:nvSpPr>
+          <p:cNvPr id="252" name="Rectangle 251"/>
+          <p:cNvSpPr/>
+          <p:nvPr/>
+        </p:nvSpPr>
+        <p:spPr>
+          <a:xfrm>
+            <a:off x="977356" y="6125440"/>
+            <a:ext cx="223030" cy="330592"/>
+          </a:xfrm>
+          <a:prstGeom prst="rect">
+            <a:avLst/>
+          </a:prstGeom>
+          <a:solidFill>
+            <a:schemeClr val="accent3">
+              <a:lumMod val="20000"/>
+              <a:lumOff val="80000"/>
+            </a:schemeClr>
+          </a:solidFill>
+        </p:spPr>
+        <p:style>
+          <a:lnRef idx="2">
+            <a:schemeClr val="accent1">
+              <a:shade val="50000"/>
+            </a:schemeClr>
+          </a:lnRef>
+          <a:fillRef idx="1">
+            <a:schemeClr val="accent1"/>
+          </a:fillRef>
+          <a:effectRef idx="0">
+            <a:schemeClr val="accent1"/>
+          </a:effectRef>
+          <a:fontRef idx="minor">
+            <a:schemeClr val="lt1"/>
+          </a:fontRef>
+        </p:style>
+        <p:txBody>
+          <a:bodyPr rtlCol="0" anchor="ctr"/>
+          <a:lstStyle/>
+          <a:p>
+            <a:pPr algn="ctr"/>
+            <a:endParaRPr lang="en-US" sz="1050" dirty="0">
+              <a:solidFill>
+                <a:schemeClr val="tx1"/>
+              </a:solidFill>
+            </a:endParaRPr>
+          </a:p>
+        </p:txBody>
+      </p:sp>
+      <p:sp>
+        <p:nvSpPr>
+          <p:cNvPr id="253" name="Rectangle 252"/>
+          <p:cNvSpPr/>
+          <p:nvPr/>
+        </p:nvSpPr>
+        <p:spPr>
+          <a:xfrm>
+            <a:off x="668667" y="6125440"/>
+            <a:ext cx="223030" cy="330592"/>
+          </a:xfrm>
+          <a:prstGeom prst="rect">
+            <a:avLst/>
+          </a:prstGeom>
+          <a:solidFill>
+            <a:schemeClr val="accent2">
+              <a:lumMod val="20000"/>
+              <a:lumOff val="80000"/>
+            </a:schemeClr>
+          </a:solidFill>
+        </p:spPr>
+        <p:style>
+          <a:lnRef idx="2">
+            <a:schemeClr val="accent1">
+              <a:shade val="50000"/>
+            </a:schemeClr>
+          </a:lnRef>
+          <a:fillRef idx="1">
+            <a:schemeClr val="accent1"/>
+          </a:fillRef>
+          <a:effectRef idx="0">
+            <a:schemeClr val="accent1"/>
+          </a:effectRef>
+          <a:fontRef idx="minor">
+            <a:schemeClr val="lt1"/>
+          </a:fontRef>
+        </p:style>
+        <p:txBody>
+          <a:bodyPr rtlCol="0" anchor="ctr"/>
+          <a:lstStyle/>
+          <a:p>
+            <a:pPr algn="ctr"/>
+            <a:endParaRPr lang="en-US" sz="1050" dirty="0">
+              <a:solidFill>
+                <a:schemeClr val="tx1"/>
+              </a:solidFill>
+            </a:endParaRPr>
+          </a:p>
+        </p:txBody>
+      </p:sp>
+      <p:sp>
+        <p:nvSpPr>
+          <p:cNvPr id="256" name="Rectangle 255"/>
+          <p:cNvSpPr/>
+          <p:nvPr/>
+        </p:nvSpPr>
+        <p:spPr>
+          <a:xfrm>
+            <a:off x="1282546" y="6125440"/>
+            <a:ext cx="223030" cy="330592"/>
+          </a:xfrm>
+          <a:prstGeom prst="rect">
+            <a:avLst/>
+          </a:prstGeom>
+          <a:solidFill>
+            <a:schemeClr val="accent1">
+              <a:lumMod val="20000"/>
+              <a:lumOff val="80000"/>
+            </a:schemeClr>
+          </a:solidFill>
+        </p:spPr>
+        <p:style>
+          <a:lnRef idx="2">
+            <a:schemeClr val="accent1">
+              <a:shade val="50000"/>
+            </a:schemeClr>
+          </a:lnRef>
+          <a:fillRef idx="1">
+            <a:schemeClr val="accent1"/>
+          </a:fillRef>
+          <a:effectRef idx="0">
+            <a:schemeClr val="accent1"/>
+          </a:effectRef>
+          <a:fontRef idx="minor">
+            <a:schemeClr val="lt1"/>
+          </a:fontRef>
+        </p:style>
+        <p:txBody>
+          <a:bodyPr rtlCol="0" anchor="ctr"/>
+          <a:lstStyle/>
+          <a:p>
+            <a:pPr algn="ctr"/>
+            <a:endParaRPr lang="en-US" sz="1050" dirty="0">
+              <a:solidFill>
+                <a:schemeClr val="tx1"/>
+              </a:solidFill>
+            </a:endParaRPr>
+          </a:p>
+        </p:txBody>
+      </p:sp>
+      <p:sp>
+        <p:nvSpPr>
+          <p:cNvPr id="257" name="TextBox 256"/>
+          <p:cNvSpPr txBox="1"/>
+          <p:nvPr/>
+        </p:nvSpPr>
+        <p:spPr>
+          <a:xfrm flipH="1">
+            <a:off x="1567723" y="5673558"/>
+            <a:ext cx="2854833" cy="276999"/>
+          </a:xfrm>
+          <a:prstGeom prst="rect">
+            <a:avLst/>
+          </a:prstGeom>
+          <a:noFill/>
+        </p:spPr>
+        <p:txBody>
+          <a:bodyPr wrap="square" rtlCol="0">
+            <a:spAutoFit/>
+          </a:bodyPr>
+          <a:lstStyle/>
+          <a:p>
+            <a:r>
+              <a:rPr lang="en-US" sz="1200" dirty="0"/>
+              <a:t>Identical processing across modes</a:t>
+            </a:r>
+          </a:p>
+        </p:txBody>
+      </p:sp>
+      <p:sp>
+        <p:nvSpPr>
+          <p:cNvPr id="258" name="TextBox 257"/>
+          <p:cNvSpPr txBox="1"/>
+          <p:nvPr/>
+        </p:nvSpPr>
+        <p:spPr>
+          <a:xfrm flipH="1">
+            <a:off x="1567723" y="6152236"/>
+            <a:ext cx="2854833" cy="276999"/>
+          </a:xfrm>
+          <a:prstGeom prst="rect">
+            <a:avLst/>
+          </a:prstGeom>
+          <a:noFill/>
+        </p:spPr>
+        <p:txBody>
+          <a:bodyPr wrap="square" rtlCol="0">
+            <a:spAutoFit/>
+          </a:bodyPr>
+          <a:lstStyle/>
+          <a:p>
+            <a:r>
+              <a:rPr lang="en-US" sz="1200" dirty="0"/>
+              <a:t>Variations in processing across modes</a:t>
+            </a:r>
+          </a:p>
+        </p:txBody>
+      </p:sp>
+      <p:cxnSp>
+        <p:nvCxnSpPr>
+          <p:cNvPr id="260" name="Straight Connector 259"/>
+          <p:cNvCxnSpPr/>
+          <p:nvPr/>
+        </p:nvCxnSpPr>
+        <p:spPr>
+          <a:xfrm>
+            <a:off x="6058344" y="5323061"/>
+            <a:ext cx="0" cy="381290"/>
+          </a:xfrm>
+          <a:prstGeom prst="line">
+            <a:avLst/>
+          </a:prstGeom>
+          <a:ln w="19050">
+            <a:solidFill>
+              <a:schemeClr val="tx2"/>
+            </a:solidFill>
+          </a:ln>
+        </p:spPr>
+        <p:style>
+          <a:lnRef idx="1">
+            <a:schemeClr val="accent1"/>
+          </a:lnRef>
+          <a:fillRef idx="0">
+            <a:schemeClr val="accent1"/>
+          </a:fillRef>
+          <a:effectRef idx="0">
+            <a:schemeClr val="accent1"/>
+          </a:effectRef>
+          <a:fontRef idx="minor">
+            <a:schemeClr val="tx1"/>
+          </a:fontRef>
+        </p:style>
+      </p:cxnSp>
+      <p:sp>
+        <p:nvSpPr>
+          <p:cNvPr id="262" name="TextBox 261"/>
+          <p:cNvSpPr txBox="1"/>
+          <p:nvPr/>
+        </p:nvSpPr>
+        <p:spPr>
+          <a:xfrm flipH="1">
+            <a:off x="5565637" y="5701188"/>
+            <a:ext cx="3007629" cy="646331"/>
+          </a:xfrm>
+          <a:prstGeom prst="rect">
+            <a:avLst/>
+          </a:prstGeom>
+          <a:noFill/>
+          <a:ln w="19050">
+            <a:solidFill>
+              <a:schemeClr val="accent1">
+                <a:shade val="50000"/>
+              </a:schemeClr>
+            </a:solidFill>
+          </a:ln>
+        </p:spPr>
+        <p:txBody>
+          <a:bodyPr wrap="square" rtlCol="0">
+            <a:spAutoFit/>
+          </a:bodyPr>
+          <a:lstStyle/>
+          <a:p>
+            <a:pPr marL="228600" indent="-228600">
+              <a:buAutoNum type="arabicParenBoth"/>
+            </a:pPr>
+            <a:r>
+              <a:rPr lang="en-US" sz="1200" dirty="0"/>
+              <a:t>Store spike timestamps and waveforms </a:t>
+            </a:r>
+          </a:p>
+          <a:p>
+            <a:pPr marL="228600" indent="-228600">
+              <a:buAutoNum type="arabicParenBoth"/>
+            </a:pPr>
+            <a:r>
+              <a:rPr lang="en-US" sz="1200" dirty="0"/>
+              <a:t>Store stim timestamps and waveforms</a:t>
+            </a:r>
+          </a:p>
+          <a:p>
+            <a:pPr marL="228600" indent="-228600">
+              <a:buAutoNum type="arabicParenBoth"/>
+            </a:pPr>
+            <a:r>
+              <a:rPr lang="en-US" sz="1200" dirty="0"/>
+              <a:t>Store spike timestamps</a:t>
+            </a:r>
+          </a:p>
+        </p:txBody>
+      </p:sp>
+      <p:cxnSp>
+        <p:nvCxnSpPr>
+          <p:cNvPr id="265" name="Straight Connector 264"/>
+          <p:cNvCxnSpPr/>
+          <p:nvPr/>
+        </p:nvCxnSpPr>
+        <p:spPr>
+          <a:xfrm>
+            <a:off x="5671289" y="5298534"/>
+            <a:ext cx="749563" cy="0"/>
+          </a:xfrm>
+          <a:prstGeom prst="line">
+            <a:avLst/>
+          </a:prstGeom>
+          <a:ln w="44450"/>
+        </p:spPr>
+        <p:style>
+          <a:lnRef idx="1">
+            <a:schemeClr val="accent1"/>
+          </a:lnRef>
+          <a:fillRef idx="0">
+            <a:schemeClr val="accent1"/>
+          </a:fillRef>
+          <a:effectRef idx="0">
+            <a:schemeClr val="accent1"/>
+          </a:effectRef>
+          <a:fontRef idx="minor">
+            <a:schemeClr val="tx1"/>
+          </a:fontRef>
+        </p:style>
+      </p:cxnSp>
     </p:spTree>
     <p:extLst>
       <p:ext uri="{BB962C8B-B14F-4D97-AF65-F5344CB8AC3E}">
-        <p14:creationId xmlns:p14="http://schemas.microsoft.com/office/powerpoint/2010/main" val="764510718"/>
+        <p14:creationId xmlns:p14="http://schemas.microsoft.com/office/powerpoint/2010/main" val="653044430"/>
       </p:ext>
     </p:extLst>
   </p:cSld>
@@ -4626,4 +6778,299 @@
   <a:objectDefaults/>
   <a:extraClrSchemeLst/>
 </a:theme>
+</file>
+
+<file path=ppt/theme/theme2.xml><?xml version="1.0" encoding="utf-8"?>
+<a:theme xmlns:a="http://schemas.openxmlformats.org/drawingml/2006/main" name="Office Theme">
+  <a:themeElements>
+    <a:clrScheme name="Office">
+      <a:dk1>
+        <a:sysClr val="windowText" lastClr="000000"/>
+      </a:dk1>
+      <a:lt1>
+        <a:sysClr val="window" lastClr="FFFFFF"/>
+      </a:lt1>
+      <a:dk2>
+        <a:srgbClr val="44546A"/>
+      </a:dk2>
+      <a:lt2>
+        <a:srgbClr val="E7E6E6"/>
+      </a:lt2>
+      <a:accent1>
+        <a:srgbClr val="5B9BD5"/>
+      </a:accent1>
+      <a:accent2>
+        <a:srgbClr val="ED7D31"/>
+      </a:accent2>
+      <a:accent3>
+        <a:srgbClr val="A5A5A5"/>
+      </a:accent3>
+      <a:accent4>
+        <a:srgbClr val="FFC000"/>
+      </a:accent4>
+      <a:accent5>
+        <a:srgbClr val="4472C4"/>
+      </a:accent5>
+      <a:accent6>
+        <a:srgbClr val="70AD47"/>
+      </a:accent6>
+      <a:hlink>
+        <a:srgbClr val="0563C1"/>
+      </a:hlink>
+      <a:folHlink>
+        <a:srgbClr val="954F72"/>
+      </a:folHlink>
+    </a:clrScheme>
+    <a:fontScheme name="Office">
+      <a:majorFont>
+        <a:latin typeface="Calibri Light" panose="020F0302020204030204"/>
+        <a:ea typeface=""/>
+        <a:cs typeface=""/>
+        <a:font script="Jpan" typeface="游ゴシック Light"/>
+        <a:font script="Hang" typeface="맑은 고딕"/>
+        <a:font script="Hans" typeface="等线 Light"/>
+        <a:font script="Hant" typeface="新細明體"/>
+        <a:font script="Arab" typeface="Times New Roman"/>
+        <a:font script="Hebr" typeface="Times New Roman"/>
+        <a:font script="Thai" typeface="Angsana New"/>
+        <a:font script="Ethi" typeface="Nyala"/>
+        <a:font script="Beng" typeface="Vrinda"/>
+        <a:font script="Gujr" typeface="Shruti"/>
+        <a:font script="Khmr" typeface="MoolBoran"/>
+        <a:font script="Knda" typeface="Tunga"/>
+        <a:font script="Guru" typeface="Raavi"/>
+        <a:font script="Cans" typeface="Euphemia"/>
+        <a:font script="Cher" typeface="Plantagenet Cherokee"/>
+        <a:font script="Yiii" typeface="Microsoft Yi Baiti"/>
+        <a:font script="Tibt" typeface="Microsoft Himalaya"/>
+        <a:font script="Thaa" typeface="MV Boli"/>
+        <a:font script="Deva" typeface="Mangal"/>
+        <a:font script="Telu" typeface="Gautami"/>
+        <a:font script="Taml" typeface="Latha"/>
+        <a:font script="Syrc" typeface="Estrangelo Edessa"/>
+        <a:font script="Orya" typeface="Kalinga"/>
+        <a:font script="Mlym" typeface="Kartika"/>
+        <a:font script="Laoo" typeface="DokChampa"/>
+        <a:font script="Sinh" typeface="Iskoola Pota"/>
+        <a:font script="Mong" typeface="Mongolian Baiti"/>
+        <a:font script="Viet" typeface="Times New Roman"/>
+        <a:font script="Uigh" typeface="Microsoft Uighur"/>
+        <a:font script="Geor" typeface="Sylfaen"/>
+        <a:font script="Armn" typeface="Arial"/>
+        <a:font script="Bugi" typeface="Leelawadee UI"/>
+        <a:font script="Bopo" typeface="Microsoft JhengHei"/>
+        <a:font script="Java" typeface="Javanese Text"/>
+        <a:font script="Lisu" typeface="Segoe UI"/>
+        <a:font script="Mymr" typeface="Myanmar Text"/>
+        <a:font script="Nkoo" typeface="Ebrima"/>
+        <a:font script="Olck" typeface="Nirmala UI"/>
+        <a:font script="Osma" typeface="Ebrima"/>
+        <a:font script="Phag" typeface="Phagspa"/>
+        <a:font script="Syrn" typeface="Estrangelo Edessa"/>
+        <a:font script="Syrj" typeface="Estrangelo Edessa"/>
+        <a:font script="Syre" typeface="Estrangelo Edessa"/>
+        <a:font script="Sora" typeface="Nirmala UI"/>
+        <a:font script="Tale" typeface="Microsoft Tai Le"/>
+        <a:font script="Talu" typeface="Microsoft New Tai Lue"/>
+        <a:font script="Tfng" typeface="Ebrima"/>
+      </a:majorFont>
+      <a:minorFont>
+        <a:latin typeface="Calibri" panose="020F0502020204030204"/>
+        <a:ea typeface=""/>
+        <a:cs typeface=""/>
+        <a:font script="Jpan" typeface="游ゴシック"/>
+        <a:font script="Hang" typeface="맑은 고딕"/>
+        <a:font script="Hans" typeface="等线"/>
+        <a:font script="Hant" typeface="新細明體"/>
+        <a:font script="Arab" typeface="Arial"/>
+        <a:font script="Hebr" typeface="Arial"/>
+        <a:font script="Thai" typeface="Cordia New"/>
+        <a:font script="Ethi" typeface="Nyala"/>
+        <a:font script="Beng" typeface="Vrinda"/>
+        <a:font script="Gujr" typeface="Shruti"/>
+        <a:font script="Khmr" typeface="DaunPenh"/>
+        <a:font script="Knda" typeface="Tunga"/>
+        <a:font script="Guru" typeface="Raavi"/>
+        <a:font script="Cans" typeface="Euphemia"/>
+        <a:font script="Cher" typeface="Plantagenet Cherokee"/>
+        <a:font script="Yiii" typeface="Microsoft Yi Baiti"/>
+        <a:font script="Tibt" typeface="Microsoft Himalaya"/>
+        <a:font script="Thaa" typeface="MV Boli"/>
+        <a:font script="Deva" typeface="Mangal"/>
+        <a:font script="Telu" typeface="Gautami"/>
+        <a:font script="Taml" typeface="Latha"/>
+        <a:font script="Syrc" typeface="Estrangelo Edessa"/>
+        <a:font script="Orya" typeface="Kalinga"/>
+        <a:font script="Mlym" typeface="Kartika"/>
+        <a:font script="Laoo" typeface="DokChampa"/>
+        <a:font script="Sinh" typeface="Iskoola Pota"/>
+        <a:font script="Mong" typeface="Mongolian Baiti"/>
+        <a:font script="Viet" typeface="Arial"/>
+        <a:font script="Uigh" typeface="Microsoft Uighur"/>
+        <a:font script="Geor" typeface="Sylfaen"/>
+        <a:font script="Armn" typeface="Arial"/>
+        <a:font script="Bugi" typeface="Leelawadee UI"/>
+        <a:font script="Bopo" typeface="Microsoft JhengHei"/>
+        <a:font script="Java" typeface="Javanese Text"/>
+        <a:font script="Lisu" typeface="Segoe UI"/>
+        <a:font script="Mymr" typeface="Myanmar Text"/>
+        <a:font script="Nkoo" typeface="Ebrima"/>
+        <a:font script="Olck" typeface="Nirmala UI"/>
+        <a:font script="Osma" typeface="Ebrima"/>
+        <a:font script="Phag" typeface="Phagspa"/>
+        <a:font script="Syrn" typeface="Estrangelo Edessa"/>
+        <a:font script="Syrj" typeface="Estrangelo Edessa"/>
+        <a:font script="Syre" typeface="Estrangelo Edessa"/>
+        <a:font script="Sora" typeface="Nirmala UI"/>
+        <a:font script="Tale" typeface="Microsoft Tai Le"/>
+        <a:font script="Talu" typeface="Microsoft New Tai Lue"/>
+        <a:font script="Tfng" typeface="Ebrima"/>
+      </a:minorFont>
+    </a:fontScheme>
+    <a:fmtScheme name="Office">
+      <a:fillStyleLst>
+        <a:solidFill>
+          <a:schemeClr val="phClr"/>
+        </a:solidFill>
+        <a:gradFill rotWithShape="1">
+          <a:gsLst>
+            <a:gs pos="0">
+              <a:schemeClr val="phClr">
+                <a:lumMod val="110000"/>
+                <a:satMod val="105000"/>
+                <a:tint val="67000"/>
+              </a:schemeClr>
+            </a:gs>
+            <a:gs pos="50000">
+              <a:schemeClr val="phClr">
+                <a:lumMod val="105000"/>
+                <a:satMod val="103000"/>
+                <a:tint val="73000"/>
+              </a:schemeClr>
+            </a:gs>
+            <a:gs pos="100000">
+              <a:schemeClr val="phClr">
+                <a:lumMod val="105000"/>
+                <a:satMod val="109000"/>
+                <a:tint val="81000"/>
+              </a:schemeClr>
+            </a:gs>
+          </a:gsLst>
+          <a:lin ang="5400000" scaled="0"/>
+        </a:gradFill>
+        <a:gradFill rotWithShape="1">
+          <a:gsLst>
+            <a:gs pos="0">
+              <a:schemeClr val="phClr">
+                <a:satMod val="103000"/>
+                <a:lumMod val="102000"/>
+                <a:tint val="94000"/>
+              </a:schemeClr>
+            </a:gs>
+            <a:gs pos="50000">
+              <a:schemeClr val="phClr">
+                <a:satMod val="110000"/>
+                <a:lumMod val="100000"/>
+                <a:shade val="100000"/>
+              </a:schemeClr>
+            </a:gs>
+            <a:gs pos="100000">
+              <a:schemeClr val="phClr">
+                <a:lumMod val="99000"/>
+                <a:satMod val="120000"/>
+                <a:shade val="78000"/>
+              </a:schemeClr>
+            </a:gs>
+          </a:gsLst>
+          <a:lin ang="5400000" scaled="0"/>
+        </a:gradFill>
+      </a:fillStyleLst>
+      <a:lnStyleLst>
+        <a:ln w="6350" cap="flat" cmpd="sng" algn="ctr">
+          <a:solidFill>
+            <a:schemeClr val="phClr"/>
+          </a:solidFill>
+          <a:prstDash val="solid"/>
+          <a:miter lim="800000"/>
+        </a:ln>
+        <a:ln w="12700" cap="flat" cmpd="sng" algn="ctr">
+          <a:solidFill>
+            <a:schemeClr val="phClr"/>
+          </a:solidFill>
+          <a:prstDash val="solid"/>
+          <a:miter lim="800000"/>
+        </a:ln>
+        <a:ln w="19050" cap="flat" cmpd="sng" algn="ctr">
+          <a:solidFill>
+            <a:schemeClr val="phClr"/>
+          </a:solidFill>
+          <a:prstDash val="solid"/>
+          <a:miter lim="800000"/>
+        </a:ln>
+      </a:lnStyleLst>
+      <a:effectStyleLst>
+        <a:effectStyle>
+          <a:effectLst/>
+        </a:effectStyle>
+        <a:effectStyle>
+          <a:effectLst/>
+        </a:effectStyle>
+        <a:effectStyle>
+          <a:effectLst>
+            <a:outerShdw blurRad="57150" dist="19050" dir="5400000" algn="ctr" rotWithShape="0">
+              <a:srgbClr val="000000">
+                <a:alpha val="63000"/>
+              </a:srgbClr>
+            </a:outerShdw>
+          </a:effectLst>
+        </a:effectStyle>
+      </a:effectStyleLst>
+      <a:bgFillStyleLst>
+        <a:solidFill>
+          <a:schemeClr val="phClr"/>
+        </a:solidFill>
+        <a:solidFill>
+          <a:schemeClr val="phClr">
+            <a:tint val="95000"/>
+            <a:satMod val="170000"/>
+          </a:schemeClr>
+        </a:solidFill>
+        <a:gradFill rotWithShape="1">
+          <a:gsLst>
+            <a:gs pos="0">
+              <a:schemeClr val="phClr">
+                <a:tint val="93000"/>
+                <a:satMod val="150000"/>
+                <a:shade val="98000"/>
+                <a:lumMod val="102000"/>
+              </a:schemeClr>
+            </a:gs>
+            <a:gs pos="50000">
+              <a:schemeClr val="phClr">
+                <a:tint val="98000"/>
+                <a:satMod val="130000"/>
+                <a:shade val="90000"/>
+                <a:lumMod val="103000"/>
+              </a:schemeClr>
+            </a:gs>
+            <a:gs pos="100000">
+              <a:schemeClr val="phClr">
+                <a:shade val="63000"/>
+                <a:satMod val="120000"/>
+              </a:schemeClr>
+            </a:gs>
+          </a:gsLst>
+          <a:lin ang="5400000" scaled="0"/>
+        </a:gradFill>
+      </a:bgFillStyleLst>
+    </a:fmtScheme>
+  </a:themeElements>
+  <a:objectDefaults/>
+  <a:extraClrSchemeLst/>
+  <a:extLst>
+    <a:ext uri="{05A4C25C-085E-4340-85A3-A5531E510DB2}">
+      <thm15:themeFamily xmlns:thm15="http://schemas.microsoft.com/office/thememl/2012/main" name="Office Theme" id="{62F939B6-93AF-4DB8-9C6B-D6C7DFDC589F}" vid="{4A3C46E8-61CC-4603-A589-7422A47A8E4A}"/>
+    </a:ext>
+  </a:extLst>
+</a:theme>
 </file>